--- a/IoT_php_mysql/review .pptx
+++ b/IoT_php_mysql/review .pptx
@@ -9146,7 +9146,7 @@
         <p:spPr>
           <a:xfrm>
             <a:off x="259305" y="1216188"/>
-            <a:ext cx="2429303" cy="543805"/>
+            <a:ext cx="2473769" cy="543805"/>
           </a:xfrm>
           <a:prstGeom prst="rect">
             <a:avLst/>
@@ -9180,12 +9180,12 @@
           <a:p>
             <a:pPr algn="ctr"/>
             <a:r>
+              <a:rPr lang="en-US" dirty="0" smtClean="0"/>
+              <a:t>Database: </a:t>
+            </a:r>
+            <a:r>
               <a:rPr lang="en-US" dirty="0" err="1" smtClean="0"/>
-              <a:t>Mysql</a:t>
-            </a:r>
-            <a:r>
-              <a:rPr lang="en-US" dirty="0" smtClean="0"/>
-              <a:t>. database</a:t>
+              <a:t>mysql</a:t>
             </a:r>
             <a:endParaRPr lang="en-US" dirty="0"/>
           </a:p>

--- a/IoT_php_mysql/review .pptx
+++ b/IoT_php_mysql/review .pptx
@@ -6,15 +6,16 @@
     <p:sldMasterId id="2147483720" r:id="rId2"/>
   </p:sldMasterIdLst>
   <p:notesMasterIdLst>
-    <p:notesMasterId r:id="rId6"/>
+    <p:notesMasterId r:id="rId7"/>
   </p:notesMasterIdLst>
   <p:handoutMasterIdLst>
-    <p:handoutMasterId r:id="rId7"/>
+    <p:handoutMasterId r:id="rId8"/>
   </p:handoutMasterIdLst>
   <p:sldIdLst>
     <p:sldId id="403" r:id="rId3"/>
-    <p:sldId id="449" r:id="rId4"/>
-    <p:sldId id="447" r:id="rId5"/>
+    <p:sldId id="450" r:id="rId4"/>
+    <p:sldId id="449" r:id="rId5"/>
+    <p:sldId id="447" r:id="rId6"/>
   </p:sldIdLst>
   <p:sldSz cx="9144000" cy="6858000" type="screen4x3"/>
   <p:notesSz cx="6807200" cy="9939338"/>
@@ -544,7 +545,7 @@
           </a:ln>
           <a:extLst>
             <a:ext uri="{909E8E84-426E-40dd-AFC4-6F175D3DCCD1}">
-              <a14:hiddenFill xmlns="" xmlns:a14="http://schemas.microsoft.com/office/drawing/2010/main">
+              <a14:hiddenFill xmlns:a14="http://schemas.microsoft.com/office/drawing/2010/main" xmlns="">
                 <a:solidFill>
                   <a:srgbClr val="FFFFFF"/>
                 </a:solidFill>
@@ -7139,14 +7140,14 @@
           </a:ln>
           <a:extLst>
             <a:ext uri="{909E8E84-426E-40dd-AFC4-6F175D3DCCD1}">
-              <a14:hiddenFill xmlns="" xmlns:a14="http://schemas.microsoft.com/office/drawing/2010/main">
+              <a14:hiddenFill xmlns:a14="http://schemas.microsoft.com/office/drawing/2010/main" xmlns="">
                 <a:solidFill>
                   <a:srgbClr val="FFFFFF"/>
                 </a:solidFill>
               </a14:hiddenFill>
             </a:ext>
             <a:ext uri="{91240B29-F687-4f45-9708-019B960494DF}">
-              <a14:hiddenLine xmlns="" xmlns:a14="http://schemas.microsoft.com/office/drawing/2010/main" w="9525">
+              <a14:hiddenLine xmlns:a14="http://schemas.microsoft.com/office/drawing/2010/main" xmlns="" w="9525">
                 <a:solidFill>
                   <a:srgbClr val="000000"/>
                 </a:solidFill>
@@ -7197,14 +7198,14 @@
           </a:ln>
           <a:extLst>
             <a:ext uri="{909E8E84-426E-40dd-AFC4-6F175D3DCCD1}">
-              <a14:hiddenFill xmlns="" xmlns:a14="http://schemas.microsoft.com/office/drawing/2010/main">
+              <a14:hiddenFill xmlns:a14="http://schemas.microsoft.com/office/drawing/2010/main" xmlns="">
                 <a:solidFill>
                   <a:srgbClr val="FFFFFF"/>
                 </a:solidFill>
               </a14:hiddenFill>
             </a:ext>
             <a:ext uri="{91240B29-F687-4f45-9708-019B960494DF}">
-              <a14:hiddenLine xmlns="" xmlns:a14="http://schemas.microsoft.com/office/drawing/2010/main" w="9525">
+              <a14:hiddenLine xmlns:a14="http://schemas.microsoft.com/office/drawing/2010/main" xmlns="" w="9525">
                 <a:solidFill>
                   <a:srgbClr val="000000"/>
                 </a:solidFill>
@@ -8591,11 +8592,6 @@
               </a:rPr>
               <a:t> application.</a:t>
             </a:r>
-            <a:endParaRPr lang="en-US" altLang="ja-JP" sz="2800" dirty="0" smtClean="0">
-              <a:solidFill>
-                <a:schemeClr val="tx1"/>
-              </a:solidFill>
-            </a:endParaRPr>
           </a:p>
         </p:txBody>
       </p:sp>
@@ -8629,18 +8625,7 @@
                 <a:ea typeface="メイリオ" panose="020B0604030504040204" pitchFamily="50" charset="-128"/>
                 <a:cs typeface="メイリオ" panose="020B0604030504040204" pitchFamily="50" charset="-128"/>
               </a:rPr>
-              <a:t>Builder: </a:t>
-            </a:r>
-            <a:r>
-              <a:rPr lang="en-US" altLang="ja-JP" sz="1300" dirty="0" smtClean="0">
-                <a:solidFill>
-                  <a:schemeClr val="bg1"/>
-                </a:solidFill>
-                <a:latin typeface="メイリオ" panose="020B0604030504040204" pitchFamily="50" charset="-128"/>
-                <a:ea typeface="メイリオ" panose="020B0604030504040204" pitchFamily="50" charset="-128"/>
-                <a:cs typeface="メイリオ" panose="020B0604030504040204" pitchFamily="50" charset="-128"/>
-              </a:rPr>
-              <a:t>MR.LONG </a:t>
+              <a:t>Builder: MR.LONG </a:t>
             </a:r>
           </a:p>
         </p:txBody>
@@ -8667,14 +8652,14 @@
           </a:ln>
           <a:extLst>
             <a:ext uri="{909E8E84-426E-40dd-AFC4-6F175D3DCCD1}">
-              <a14:hiddenFill xmlns:a14="http://schemas.microsoft.com/office/drawing/2010/main" xmlns="">
+              <a14:hiddenFill xmlns="" xmlns:a14="http://schemas.microsoft.com/office/drawing/2010/main">
                 <a:solidFill>
                   <a:srgbClr val="FFFFFF"/>
                 </a:solidFill>
               </a14:hiddenFill>
             </a:ext>
             <a:ext uri="{91240B29-F687-4f45-9708-019B960494DF}">
-              <a14:hiddenLine xmlns:a14="http://schemas.microsoft.com/office/drawing/2010/main" xmlns="" w="9525">
+              <a14:hiddenLine xmlns="" xmlns:a14="http://schemas.microsoft.com/office/drawing/2010/main" w="9525">
                 <a:solidFill>
                   <a:srgbClr val="000000"/>
                 </a:solidFill>
@@ -8928,7 +8913,7 @@
       </p:grpSpPr>
       <p:sp>
         <p:nvSpPr>
-          <p:cNvPr id="3" name="Rectangle 3"/>
+          <p:cNvPr id="4" name="Rectangle 3"/>
           <p:cNvSpPr txBox="1">
             <a:spLocks noChangeArrowheads="1"/>
           </p:cNvSpPr>
@@ -8948,14 +8933,14 @@
           </a:ln>
           <a:extLst>
             <a:ext uri="{909E8E84-426E-40dd-AFC4-6F175D3DCCD1}">
-              <a14:hiddenFill xmlns:a14="http://schemas.microsoft.com/office/drawing/2010/main" xmlns="">
+              <a14:hiddenFill xmlns="" xmlns:a14="http://schemas.microsoft.com/office/drawing/2010/main">
                 <a:solidFill>
                   <a:srgbClr val="FFFFFF"/>
                 </a:solidFill>
               </a14:hiddenFill>
             </a:ext>
             <a:ext uri="{91240B29-F687-4f45-9708-019B960494DF}">
-              <a14:hiddenLine xmlns:a14="http://schemas.microsoft.com/office/drawing/2010/main" xmlns="" w="9525">
+              <a14:hiddenLine xmlns="" xmlns:a14="http://schemas.microsoft.com/office/drawing/2010/main" w="9525">
                 <a:solidFill>
                   <a:srgbClr val="000000"/>
                 </a:solidFill>
@@ -9124,6 +9109,2884 @@
               <a:buNone/>
             </a:pPr>
             <a:r>
+              <a:rPr lang="en-US" sz="1800" b="1" dirty="0" err="1" smtClean="0">
+                <a:latin typeface="Times New Roman" pitchFamily="18" charset="0"/>
+                <a:cs typeface="Times New Roman" pitchFamily="18" charset="0"/>
+              </a:rPr>
+              <a:t>Các</a:t>
+            </a:r>
+            <a:r>
+              <a:rPr lang="en-US" sz="1800" b="1" dirty="0" smtClean="0">
+                <a:latin typeface="Times New Roman" pitchFamily="18" charset="0"/>
+                <a:cs typeface="Times New Roman" pitchFamily="18" charset="0"/>
+              </a:rPr>
+              <a:t> </a:t>
+            </a:r>
+            <a:r>
+              <a:rPr lang="en-US" sz="1800" b="1" dirty="0" err="1" smtClean="0">
+                <a:latin typeface="Times New Roman" pitchFamily="18" charset="0"/>
+                <a:cs typeface="Times New Roman" pitchFamily="18" charset="0"/>
+              </a:rPr>
+              <a:t>mục</a:t>
+            </a:r>
+            <a:r>
+              <a:rPr lang="en-US" sz="1800" b="1" dirty="0" smtClean="0">
+                <a:latin typeface="Times New Roman" pitchFamily="18" charset="0"/>
+                <a:cs typeface="Times New Roman" pitchFamily="18" charset="0"/>
+              </a:rPr>
+              <a:t> </a:t>
+            </a:r>
+            <a:r>
+              <a:rPr lang="en-US" sz="1800" b="1" dirty="0" err="1" smtClean="0">
+                <a:latin typeface="Times New Roman" pitchFamily="18" charset="0"/>
+                <a:cs typeface="Times New Roman" pitchFamily="18" charset="0"/>
+              </a:rPr>
+              <a:t>cần</a:t>
+            </a:r>
+            <a:r>
+              <a:rPr lang="en-US" sz="1800" b="1" dirty="0" smtClean="0">
+                <a:latin typeface="Times New Roman" pitchFamily="18" charset="0"/>
+                <a:cs typeface="Times New Roman" pitchFamily="18" charset="0"/>
+              </a:rPr>
+              <a:t> </a:t>
+            </a:r>
+            <a:r>
+              <a:rPr lang="en-US" sz="1800" b="1" dirty="0" err="1" smtClean="0">
+                <a:latin typeface="Times New Roman" pitchFamily="18" charset="0"/>
+                <a:cs typeface="Times New Roman" pitchFamily="18" charset="0"/>
+              </a:rPr>
+              <a:t>làm</a:t>
+            </a:r>
+            <a:r>
+              <a:rPr lang="en-US" sz="1800" b="1" dirty="0" smtClean="0">
+                <a:latin typeface="Times New Roman" pitchFamily="18" charset="0"/>
+                <a:cs typeface="Times New Roman" pitchFamily="18" charset="0"/>
+              </a:rPr>
+              <a:t>: …… &lt;</a:t>
+            </a:r>
+            <a:r>
+              <a:rPr lang="en-US" sz="1800" b="1" dirty="0" err="1" smtClean="0">
+                <a:latin typeface="Times New Roman" pitchFamily="18" charset="0"/>
+                <a:cs typeface="Times New Roman" pitchFamily="18" charset="0"/>
+              </a:rPr>
+              <a:t>chỉnh</a:t>
+            </a:r>
+            <a:r>
+              <a:rPr lang="en-US" sz="1800" b="1" dirty="0" smtClean="0">
+                <a:latin typeface="Times New Roman" pitchFamily="18" charset="0"/>
+                <a:cs typeface="Times New Roman" pitchFamily="18" charset="0"/>
+              </a:rPr>
+              <a:t> </a:t>
+            </a:r>
+            <a:r>
+              <a:rPr lang="en-US" sz="1800" b="1" dirty="0" err="1" smtClean="0">
+                <a:latin typeface="Times New Roman" pitchFamily="18" charset="0"/>
+                <a:cs typeface="Times New Roman" pitchFamily="18" charset="0"/>
+              </a:rPr>
+              <a:t>sửa</a:t>
+            </a:r>
+            <a:r>
+              <a:rPr lang="en-US" sz="1800" b="1" dirty="0" smtClean="0">
+                <a:latin typeface="Times New Roman" pitchFamily="18" charset="0"/>
+                <a:cs typeface="Times New Roman" pitchFamily="18" charset="0"/>
+              </a:rPr>
+              <a:t> </a:t>
+            </a:r>
+            <a:r>
+              <a:rPr lang="en-US" sz="1800" b="1" dirty="0" err="1" smtClean="0">
+                <a:latin typeface="Times New Roman" pitchFamily="18" charset="0"/>
+                <a:cs typeface="Times New Roman" pitchFamily="18" charset="0"/>
+              </a:rPr>
+              <a:t>lại</a:t>
+            </a:r>
+            <a:r>
+              <a:rPr lang="en-US" sz="1800" b="1" dirty="0" smtClean="0">
+                <a:latin typeface="Times New Roman" pitchFamily="18" charset="0"/>
+                <a:cs typeface="Times New Roman" pitchFamily="18" charset="0"/>
+              </a:rPr>
+              <a:t>&gt;</a:t>
+            </a:r>
+            <a:endParaRPr lang="en-US" sz="1800" b="1" dirty="0">
+              <a:latin typeface="Times New Roman" pitchFamily="18" charset="0"/>
+              <a:cs typeface="Times New Roman" pitchFamily="18" charset="0"/>
+            </a:endParaRPr>
+          </a:p>
+        </p:txBody>
+      </p:sp>
+      <p:sp>
+        <p:nvSpPr>
+          <p:cNvPr id="6" name="Rectangle 5"/>
+          <p:cNvSpPr/>
+          <p:nvPr/>
+        </p:nvSpPr>
+        <p:spPr>
+          <a:xfrm>
+            <a:off x="228600" y="1097593"/>
+            <a:ext cx="8686800" cy="5909310"/>
+          </a:xfrm>
+          <a:prstGeom prst="rect">
+            <a:avLst/>
+          </a:prstGeom>
+        </p:spPr>
+        <p:txBody>
+          <a:bodyPr wrap="square">
+            <a:spAutoFit/>
+          </a:bodyPr>
+          <a:lstStyle>
+            <a:defPPr>
+              <a:defRPr lang="en-US"/>
+            </a:defPPr>
+            <a:lvl1pPr marL="0" algn="l" defTabSz="914400" rtl="0" eaLnBrk="1" latinLnBrk="0" hangingPunct="1">
+              <a:defRPr sz="1800" kern="1200">
+                <a:solidFill>
+                  <a:schemeClr val="tx1"/>
+                </a:solidFill>
+                <a:latin typeface="+mn-lt"/>
+                <a:ea typeface="+mn-ea"/>
+                <a:cs typeface="+mn-cs"/>
+              </a:defRPr>
+            </a:lvl1pPr>
+            <a:lvl2pPr marL="457200" algn="l" defTabSz="914400" rtl="0" eaLnBrk="1" latinLnBrk="0" hangingPunct="1">
+              <a:defRPr sz="1800" kern="1200">
+                <a:solidFill>
+                  <a:schemeClr val="tx1"/>
+                </a:solidFill>
+                <a:latin typeface="+mn-lt"/>
+                <a:ea typeface="+mn-ea"/>
+                <a:cs typeface="+mn-cs"/>
+              </a:defRPr>
+            </a:lvl2pPr>
+            <a:lvl3pPr marL="914400" algn="l" defTabSz="914400" rtl="0" eaLnBrk="1" latinLnBrk="0" hangingPunct="1">
+              <a:defRPr sz="1800" kern="1200">
+                <a:solidFill>
+                  <a:schemeClr val="tx1"/>
+                </a:solidFill>
+                <a:latin typeface="+mn-lt"/>
+                <a:ea typeface="+mn-ea"/>
+                <a:cs typeface="+mn-cs"/>
+              </a:defRPr>
+            </a:lvl3pPr>
+            <a:lvl4pPr marL="1371600" algn="l" defTabSz="914400" rtl="0" eaLnBrk="1" latinLnBrk="0" hangingPunct="1">
+              <a:defRPr sz="1800" kern="1200">
+                <a:solidFill>
+                  <a:schemeClr val="tx1"/>
+                </a:solidFill>
+                <a:latin typeface="+mn-lt"/>
+                <a:ea typeface="+mn-ea"/>
+                <a:cs typeface="+mn-cs"/>
+              </a:defRPr>
+            </a:lvl4pPr>
+            <a:lvl5pPr marL="1828800" algn="l" defTabSz="914400" rtl="0" eaLnBrk="1" latinLnBrk="0" hangingPunct="1">
+              <a:defRPr sz="1800" kern="1200">
+                <a:solidFill>
+                  <a:schemeClr val="tx1"/>
+                </a:solidFill>
+                <a:latin typeface="+mn-lt"/>
+                <a:ea typeface="+mn-ea"/>
+                <a:cs typeface="+mn-cs"/>
+              </a:defRPr>
+            </a:lvl5pPr>
+            <a:lvl6pPr marL="2286000" algn="l" defTabSz="914400" rtl="0" eaLnBrk="1" latinLnBrk="0" hangingPunct="1">
+              <a:defRPr sz="1800" kern="1200">
+                <a:solidFill>
+                  <a:schemeClr val="tx1"/>
+                </a:solidFill>
+                <a:latin typeface="+mn-lt"/>
+                <a:ea typeface="+mn-ea"/>
+                <a:cs typeface="+mn-cs"/>
+              </a:defRPr>
+            </a:lvl6pPr>
+            <a:lvl7pPr marL="2743200" algn="l" defTabSz="914400" rtl="0" eaLnBrk="1" latinLnBrk="0" hangingPunct="1">
+              <a:defRPr sz="1800" kern="1200">
+                <a:solidFill>
+                  <a:schemeClr val="tx1"/>
+                </a:solidFill>
+                <a:latin typeface="+mn-lt"/>
+                <a:ea typeface="+mn-ea"/>
+                <a:cs typeface="+mn-cs"/>
+              </a:defRPr>
+            </a:lvl7pPr>
+            <a:lvl8pPr marL="3200400" algn="l" defTabSz="914400" rtl="0" eaLnBrk="1" latinLnBrk="0" hangingPunct="1">
+              <a:defRPr sz="1800" kern="1200">
+                <a:solidFill>
+                  <a:schemeClr val="tx1"/>
+                </a:solidFill>
+                <a:latin typeface="+mn-lt"/>
+                <a:ea typeface="+mn-ea"/>
+                <a:cs typeface="+mn-cs"/>
+              </a:defRPr>
+            </a:lvl8pPr>
+            <a:lvl9pPr marL="3657600" algn="l" defTabSz="914400" rtl="0" eaLnBrk="1" latinLnBrk="0" hangingPunct="1">
+              <a:defRPr sz="1800" kern="1200">
+                <a:solidFill>
+                  <a:schemeClr val="tx1"/>
+                </a:solidFill>
+                <a:latin typeface="+mn-lt"/>
+                <a:ea typeface="+mn-ea"/>
+                <a:cs typeface="+mn-cs"/>
+              </a:defRPr>
+            </a:lvl9pPr>
+          </a:lstStyle>
+          <a:p>
+            <a:r>
+              <a:rPr lang="en-US" dirty="0" smtClean="0">
+                <a:latin typeface="Meiryo UI" pitchFamily="50" charset="-128"/>
+                <a:ea typeface="Meiryo UI" pitchFamily="50" charset="-128"/>
+                <a:cs typeface="Meiryo UI" pitchFamily="50" charset="-128"/>
+              </a:rPr>
+              <a:t>1. </a:t>
+            </a:r>
+            <a:r>
+              <a:rPr lang="en-US" dirty="0" err="1" smtClean="0">
+                <a:latin typeface="Meiryo UI" pitchFamily="50" charset="-128"/>
+                <a:ea typeface="Meiryo UI" pitchFamily="50" charset="-128"/>
+                <a:cs typeface="Meiryo UI" pitchFamily="50" charset="-128"/>
+              </a:rPr>
+              <a:t>IoT</a:t>
+            </a:r>
+            <a:r>
+              <a:rPr lang="en-US" dirty="0" smtClean="0">
+                <a:latin typeface="Meiryo UI" pitchFamily="50" charset="-128"/>
+                <a:ea typeface="Meiryo UI" pitchFamily="50" charset="-128"/>
+                <a:cs typeface="Meiryo UI" pitchFamily="50" charset="-128"/>
+              </a:rPr>
+              <a:t> </a:t>
+            </a:r>
+            <a:r>
+              <a:rPr lang="en-US" dirty="0" err="1">
+                <a:latin typeface="Meiryo UI" pitchFamily="50" charset="-128"/>
+                <a:ea typeface="Meiryo UI" pitchFamily="50" charset="-128"/>
+                <a:cs typeface="Meiryo UI" pitchFamily="50" charset="-128"/>
+              </a:rPr>
+              <a:t>và</a:t>
+            </a:r>
+            <a:r>
+              <a:rPr lang="en-US" dirty="0">
+                <a:latin typeface="Meiryo UI" pitchFamily="50" charset="-128"/>
+                <a:ea typeface="Meiryo UI" pitchFamily="50" charset="-128"/>
+                <a:cs typeface="Meiryo UI" pitchFamily="50" charset="-128"/>
+              </a:rPr>
+              <a:t> </a:t>
+            </a:r>
+            <a:r>
+              <a:rPr lang="en-US" dirty="0" err="1">
+                <a:latin typeface="Meiryo UI" pitchFamily="50" charset="-128"/>
+                <a:ea typeface="Meiryo UI" pitchFamily="50" charset="-128"/>
+                <a:cs typeface="Meiryo UI" pitchFamily="50" charset="-128"/>
+              </a:rPr>
+              <a:t>cách</a:t>
+            </a:r>
+            <a:r>
+              <a:rPr lang="en-US" dirty="0">
+                <a:latin typeface="Meiryo UI" pitchFamily="50" charset="-128"/>
+                <a:ea typeface="Meiryo UI" pitchFamily="50" charset="-128"/>
+                <a:cs typeface="Meiryo UI" pitchFamily="50" charset="-128"/>
+              </a:rPr>
+              <a:t> </a:t>
+            </a:r>
+            <a:r>
+              <a:rPr lang="en-US" dirty="0" err="1">
+                <a:latin typeface="Meiryo UI" pitchFamily="50" charset="-128"/>
+                <a:ea typeface="Meiryo UI" pitchFamily="50" charset="-128"/>
+                <a:cs typeface="Meiryo UI" pitchFamily="50" charset="-128"/>
+              </a:rPr>
+              <a:t>mạng</a:t>
+            </a:r>
+            <a:r>
+              <a:rPr lang="en-US" dirty="0">
+                <a:latin typeface="Meiryo UI" pitchFamily="50" charset="-128"/>
+                <a:ea typeface="Meiryo UI" pitchFamily="50" charset="-128"/>
+                <a:cs typeface="Meiryo UI" pitchFamily="50" charset="-128"/>
+              </a:rPr>
+              <a:t> 4.0 </a:t>
+            </a:r>
+            <a:r>
+              <a:rPr lang="en-US" dirty="0" err="1">
+                <a:latin typeface="Meiryo UI" pitchFamily="50" charset="-128"/>
+                <a:ea typeface="Meiryo UI" pitchFamily="50" charset="-128"/>
+                <a:cs typeface="Meiryo UI" pitchFamily="50" charset="-128"/>
+              </a:rPr>
+              <a:t>tại</a:t>
+            </a:r>
+            <a:r>
+              <a:rPr lang="en-US" dirty="0">
+                <a:latin typeface="Meiryo UI" pitchFamily="50" charset="-128"/>
+                <a:ea typeface="Meiryo UI" pitchFamily="50" charset="-128"/>
+                <a:cs typeface="Meiryo UI" pitchFamily="50" charset="-128"/>
+              </a:rPr>
+              <a:t> </a:t>
+            </a:r>
+            <a:r>
+              <a:rPr lang="en-US" dirty="0" err="1">
+                <a:latin typeface="Meiryo UI" pitchFamily="50" charset="-128"/>
+                <a:ea typeface="Meiryo UI" pitchFamily="50" charset="-128"/>
+                <a:cs typeface="Meiryo UI" pitchFamily="50" charset="-128"/>
+              </a:rPr>
+              <a:t>Việt</a:t>
+            </a:r>
+            <a:r>
+              <a:rPr lang="en-US" dirty="0">
+                <a:latin typeface="Meiryo UI" pitchFamily="50" charset="-128"/>
+                <a:ea typeface="Meiryo UI" pitchFamily="50" charset="-128"/>
+                <a:cs typeface="Meiryo UI" pitchFamily="50" charset="-128"/>
+              </a:rPr>
+              <a:t> </a:t>
+            </a:r>
+            <a:r>
+              <a:rPr lang="en-US" dirty="0" err="1">
+                <a:latin typeface="Meiryo UI" pitchFamily="50" charset="-128"/>
+                <a:ea typeface="Meiryo UI" pitchFamily="50" charset="-128"/>
+                <a:cs typeface="Meiryo UI" pitchFamily="50" charset="-128"/>
+              </a:rPr>
+              <a:t>nam</a:t>
+            </a:r>
+            <a:r>
+              <a:rPr lang="en-US" dirty="0">
+                <a:latin typeface="Meiryo UI" pitchFamily="50" charset="-128"/>
+                <a:ea typeface="Meiryo UI" pitchFamily="50" charset="-128"/>
+                <a:cs typeface="Meiryo UI" pitchFamily="50" charset="-128"/>
+              </a:rPr>
+              <a:t> </a:t>
+            </a:r>
+            <a:r>
+              <a:rPr lang="en-US" dirty="0" err="1">
+                <a:latin typeface="Meiryo UI" pitchFamily="50" charset="-128"/>
+                <a:ea typeface="Meiryo UI" pitchFamily="50" charset="-128"/>
+                <a:cs typeface="Meiryo UI" pitchFamily="50" charset="-128"/>
+              </a:rPr>
+              <a:t>và</a:t>
+            </a:r>
+            <a:r>
+              <a:rPr lang="en-US" dirty="0">
+                <a:latin typeface="Meiryo UI" pitchFamily="50" charset="-128"/>
+                <a:ea typeface="Meiryo UI" pitchFamily="50" charset="-128"/>
+                <a:cs typeface="Meiryo UI" pitchFamily="50" charset="-128"/>
+              </a:rPr>
+              <a:t> </a:t>
+            </a:r>
+            <a:r>
+              <a:rPr lang="en-US" dirty="0" err="1">
+                <a:latin typeface="Meiryo UI" pitchFamily="50" charset="-128"/>
+                <a:ea typeface="Meiryo UI" pitchFamily="50" charset="-128"/>
+                <a:cs typeface="Meiryo UI" pitchFamily="50" charset="-128"/>
+              </a:rPr>
+              <a:t>thế</a:t>
+            </a:r>
+            <a:r>
+              <a:rPr lang="en-US" dirty="0">
+                <a:latin typeface="Meiryo UI" pitchFamily="50" charset="-128"/>
+                <a:ea typeface="Meiryo UI" pitchFamily="50" charset="-128"/>
+                <a:cs typeface="Meiryo UI" pitchFamily="50" charset="-128"/>
+              </a:rPr>
+              <a:t> </a:t>
+            </a:r>
+            <a:r>
+              <a:rPr lang="en-US" dirty="0" err="1">
+                <a:latin typeface="Meiryo UI" pitchFamily="50" charset="-128"/>
+                <a:ea typeface="Meiryo UI" pitchFamily="50" charset="-128"/>
+                <a:cs typeface="Meiryo UI" pitchFamily="50" charset="-128"/>
+              </a:rPr>
+              <a:t>giới</a:t>
+            </a:r>
+            <a:r>
+              <a:rPr lang="en-US" dirty="0">
+                <a:latin typeface="Meiryo UI" pitchFamily="50" charset="-128"/>
+                <a:ea typeface="Meiryo UI" pitchFamily="50" charset="-128"/>
+                <a:cs typeface="Meiryo UI" pitchFamily="50" charset="-128"/>
+              </a:rPr>
+              <a:t> &lt;</a:t>
+            </a:r>
+            <a:r>
+              <a:rPr lang="en-US" dirty="0" err="1">
+                <a:latin typeface="Meiryo UI" pitchFamily="50" charset="-128"/>
+                <a:ea typeface="Meiryo UI" pitchFamily="50" charset="-128"/>
+                <a:cs typeface="Meiryo UI" pitchFamily="50" charset="-128"/>
+              </a:rPr>
+              <a:t>cái</a:t>
+            </a:r>
+            <a:r>
+              <a:rPr lang="en-US" dirty="0">
+                <a:latin typeface="Meiryo UI" pitchFamily="50" charset="-128"/>
+                <a:ea typeface="Meiryo UI" pitchFamily="50" charset="-128"/>
+                <a:cs typeface="Meiryo UI" pitchFamily="50" charset="-128"/>
+              </a:rPr>
+              <a:t> </a:t>
+            </a:r>
+            <a:r>
+              <a:rPr lang="en-US" dirty="0" err="1" smtClean="0">
+                <a:latin typeface="Meiryo UI" pitchFamily="50" charset="-128"/>
+                <a:ea typeface="Meiryo UI" pitchFamily="50" charset="-128"/>
+                <a:cs typeface="Meiryo UI" pitchFamily="50" charset="-128"/>
+              </a:rPr>
+              <a:t>này</a:t>
+            </a:r>
+            <a:r>
+              <a:rPr lang="en-US" dirty="0" smtClean="0">
+                <a:latin typeface="Meiryo UI" pitchFamily="50" charset="-128"/>
+                <a:ea typeface="Meiryo UI" pitchFamily="50" charset="-128"/>
+                <a:cs typeface="Meiryo UI" pitchFamily="50" charset="-128"/>
+              </a:rPr>
+              <a:t> search </a:t>
+            </a:r>
+            <a:r>
+              <a:rPr lang="en-US" dirty="0">
+                <a:latin typeface="Meiryo UI" pitchFamily="50" charset="-128"/>
+                <a:ea typeface="Meiryo UI" pitchFamily="50" charset="-128"/>
+                <a:cs typeface="Meiryo UI" pitchFamily="50" charset="-128"/>
+              </a:rPr>
+              <a:t>google </a:t>
+            </a:r>
+            <a:r>
+              <a:rPr lang="en-US" dirty="0" smtClean="0">
+                <a:latin typeface="Meiryo UI" pitchFamily="50" charset="-128"/>
+                <a:ea typeface="Meiryo UI" pitchFamily="50" charset="-128"/>
+                <a:cs typeface="Meiryo UI" pitchFamily="50" charset="-128"/>
+              </a:rPr>
+              <a:t>&gt;</a:t>
+            </a:r>
+            <a:endParaRPr lang="en-US" dirty="0">
+              <a:latin typeface="Meiryo UI" pitchFamily="50" charset="-128"/>
+              <a:ea typeface="Meiryo UI" pitchFamily="50" charset="-128"/>
+              <a:cs typeface="Meiryo UI" pitchFamily="50" charset="-128"/>
+            </a:endParaRPr>
+          </a:p>
+          <a:p>
+            <a:r>
+              <a:rPr lang="en-US" dirty="0">
+                <a:latin typeface="Meiryo UI" pitchFamily="50" charset="-128"/>
+                <a:ea typeface="Meiryo UI" pitchFamily="50" charset="-128"/>
+                <a:cs typeface="Meiryo UI" pitchFamily="50" charset="-128"/>
+              </a:rPr>
+              <a:t> </a:t>
+            </a:r>
+            <a:r>
+              <a:rPr lang="en-US" dirty="0">
+                <a:latin typeface="Meiryo UI" pitchFamily="50" charset="-128"/>
+                <a:ea typeface="Meiryo UI" pitchFamily="50" charset="-128"/>
+                <a:cs typeface="Meiryo UI" pitchFamily="50" charset="-128"/>
+                <a:sym typeface="Wingdings" panose="05000000000000000000" pitchFamily="2" charset="2"/>
+              </a:rPr>
+              <a:t> add </a:t>
+            </a:r>
+            <a:r>
+              <a:rPr lang="en-US" dirty="0" err="1">
+                <a:latin typeface="Meiryo UI" pitchFamily="50" charset="-128"/>
+                <a:ea typeface="Meiryo UI" pitchFamily="50" charset="-128"/>
+                <a:cs typeface="Meiryo UI" pitchFamily="50" charset="-128"/>
+                <a:sym typeface="Wingdings" panose="05000000000000000000" pitchFamily="2" charset="2"/>
+              </a:rPr>
+              <a:t>cái</a:t>
+            </a:r>
+            <a:r>
+              <a:rPr lang="en-US" dirty="0">
+                <a:latin typeface="Meiryo UI" pitchFamily="50" charset="-128"/>
+                <a:ea typeface="Meiryo UI" pitchFamily="50" charset="-128"/>
+                <a:cs typeface="Meiryo UI" pitchFamily="50" charset="-128"/>
+                <a:sym typeface="Wingdings" panose="05000000000000000000" pitchFamily="2" charset="2"/>
+              </a:rPr>
+              <a:t> </a:t>
+            </a:r>
+            <a:r>
+              <a:rPr lang="en-US" dirty="0" err="1">
+                <a:latin typeface="Meiryo UI" pitchFamily="50" charset="-128"/>
+                <a:ea typeface="Meiryo UI" pitchFamily="50" charset="-128"/>
+                <a:cs typeface="Meiryo UI" pitchFamily="50" charset="-128"/>
+                <a:sym typeface="Wingdings" panose="05000000000000000000" pitchFamily="2" charset="2"/>
+              </a:rPr>
+              <a:t>này</a:t>
+            </a:r>
+            <a:r>
+              <a:rPr lang="en-US" dirty="0">
+                <a:latin typeface="Meiryo UI" pitchFamily="50" charset="-128"/>
+                <a:ea typeface="Meiryo UI" pitchFamily="50" charset="-128"/>
+                <a:cs typeface="Meiryo UI" pitchFamily="50" charset="-128"/>
+                <a:sym typeface="Wingdings" panose="05000000000000000000" pitchFamily="2" charset="2"/>
+              </a:rPr>
+              <a:t> </a:t>
+            </a:r>
+            <a:r>
+              <a:rPr lang="en-US" dirty="0" err="1">
+                <a:latin typeface="Meiryo UI" pitchFamily="50" charset="-128"/>
+                <a:ea typeface="Meiryo UI" pitchFamily="50" charset="-128"/>
+                <a:cs typeface="Meiryo UI" pitchFamily="50" charset="-128"/>
+                <a:sym typeface="Wingdings" panose="05000000000000000000" pitchFamily="2" charset="2"/>
+              </a:rPr>
+              <a:t>vào</a:t>
+            </a:r>
+            <a:r>
+              <a:rPr lang="en-US" dirty="0">
+                <a:latin typeface="Meiryo UI" pitchFamily="50" charset="-128"/>
+                <a:ea typeface="Meiryo UI" pitchFamily="50" charset="-128"/>
+                <a:cs typeface="Meiryo UI" pitchFamily="50" charset="-128"/>
+                <a:sym typeface="Wingdings" panose="05000000000000000000" pitchFamily="2" charset="2"/>
+              </a:rPr>
+              <a:t> </a:t>
+            </a:r>
+            <a:r>
+              <a:rPr lang="en-US" dirty="0" err="1">
+                <a:latin typeface="Meiryo UI" pitchFamily="50" charset="-128"/>
+                <a:ea typeface="Meiryo UI" pitchFamily="50" charset="-128"/>
+                <a:cs typeface="Meiryo UI" pitchFamily="50" charset="-128"/>
+                <a:sym typeface="Wingdings" panose="05000000000000000000" pitchFamily="2" charset="2"/>
+              </a:rPr>
+              <a:t>fileword</a:t>
+            </a:r>
+            <a:r>
+              <a:rPr lang="en-US" dirty="0" smtClean="0">
+                <a:latin typeface="Meiryo UI" pitchFamily="50" charset="-128"/>
+                <a:ea typeface="Meiryo UI" pitchFamily="50" charset="-128"/>
+                <a:cs typeface="Meiryo UI" pitchFamily="50" charset="-128"/>
+                <a:sym typeface="Wingdings" panose="05000000000000000000" pitchFamily="2" charset="2"/>
+              </a:rPr>
+              <a:t>.</a:t>
+            </a:r>
+          </a:p>
+          <a:p>
+            <a:r>
+              <a:rPr lang="en-US" dirty="0" smtClean="0">
+                <a:latin typeface="Meiryo UI" pitchFamily="50" charset="-128"/>
+                <a:ea typeface="Meiryo UI" pitchFamily="50" charset="-128"/>
+                <a:cs typeface="Meiryo UI" pitchFamily="50" charset="-128"/>
+                <a:sym typeface="Wingdings" panose="05000000000000000000" pitchFamily="2" charset="2"/>
+              </a:rPr>
+              <a:t>2. </a:t>
+            </a:r>
+            <a:r>
+              <a:rPr lang="en-US" dirty="0" err="1" smtClean="0">
+                <a:latin typeface="Meiryo UI" pitchFamily="50" charset="-128"/>
+                <a:ea typeface="Meiryo UI" pitchFamily="50" charset="-128"/>
+                <a:cs typeface="Meiryo UI" pitchFamily="50" charset="-128"/>
+                <a:sym typeface="Wingdings" panose="05000000000000000000" pitchFamily="2" charset="2"/>
+              </a:rPr>
+              <a:t>Nếu</a:t>
+            </a:r>
+            <a:r>
+              <a:rPr lang="en-US" dirty="0" smtClean="0">
+                <a:latin typeface="Meiryo UI" pitchFamily="50" charset="-128"/>
+                <a:ea typeface="Meiryo UI" pitchFamily="50" charset="-128"/>
+                <a:cs typeface="Meiryo UI" pitchFamily="50" charset="-128"/>
+                <a:sym typeface="Wingdings" panose="05000000000000000000" pitchFamily="2" charset="2"/>
+              </a:rPr>
+              <a:t> </a:t>
+            </a:r>
+            <a:r>
+              <a:rPr lang="en-US" dirty="0" err="1" smtClean="0">
+                <a:latin typeface="Meiryo UI" pitchFamily="50" charset="-128"/>
+                <a:ea typeface="Meiryo UI" pitchFamily="50" charset="-128"/>
+                <a:cs typeface="Meiryo UI" pitchFamily="50" charset="-128"/>
+                <a:sym typeface="Wingdings" panose="05000000000000000000" pitchFamily="2" charset="2"/>
+              </a:rPr>
+              <a:t>ra</a:t>
+            </a:r>
+            <a:r>
+              <a:rPr lang="en-US" dirty="0" smtClean="0">
+                <a:latin typeface="Meiryo UI" pitchFamily="50" charset="-128"/>
+                <a:ea typeface="Meiryo UI" pitchFamily="50" charset="-128"/>
+                <a:cs typeface="Meiryo UI" pitchFamily="50" charset="-128"/>
+                <a:sym typeface="Wingdings" panose="05000000000000000000" pitchFamily="2" charset="2"/>
+              </a:rPr>
+              <a:t> </a:t>
+            </a:r>
+            <a:r>
+              <a:rPr lang="en-US" dirty="0" err="1" smtClean="0">
+                <a:latin typeface="Meiryo UI" pitchFamily="50" charset="-128"/>
+                <a:ea typeface="Meiryo UI" pitchFamily="50" charset="-128"/>
+                <a:cs typeface="Meiryo UI" pitchFamily="50" charset="-128"/>
+                <a:sym typeface="Wingdings" panose="05000000000000000000" pitchFamily="2" charset="2"/>
+              </a:rPr>
+              <a:t>các</a:t>
+            </a:r>
+            <a:r>
+              <a:rPr lang="en-US" dirty="0" smtClean="0">
+                <a:latin typeface="Meiryo UI" pitchFamily="50" charset="-128"/>
+                <a:ea typeface="Meiryo UI" pitchFamily="50" charset="-128"/>
+                <a:cs typeface="Meiryo UI" pitchFamily="50" charset="-128"/>
+                <a:sym typeface="Wingdings" panose="05000000000000000000" pitchFamily="2" charset="2"/>
+              </a:rPr>
+              <a:t> </a:t>
+            </a:r>
+            <a:r>
+              <a:rPr lang="en-US" dirty="0" err="1" smtClean="0">
+                <a:latin typeface="Meiryo UI" pitchFamily="50" charset="-128"/>
+                <a:ea typeface="Meiryo UI" pitchFamily="50" charset="-128"/>
+                <a:cs typeface="Meiryo UI" pitchFamily="50" charset="-128"/>
+                <a:sym typeface="Wingdings" panose="05000000000000000000" pitchFamily="2" charset="2"/>
+              </a:rPr>
+              <a:t>ứng</a:t>
+            </a:r>
+            <a:r>
+              <a:rPr lang="en-US" dirty="0" smtClean="0">
+                <a:latin typeface="Meiryo UI" pitchFamily="50" charset="-128"/>
+                <a:ea typeface="Meiryo UI" pitchFamily="50" charset="-128"/>
+                <a:cs typeface="Meiryo UI" pitchFamily="50" charset="-128"/>
+                <a:sym typeface="Wingdings" panose="05000000000000000000" pitchFamily="2" charset="2"/>
+              </a:rPr>
+              <a:t> </a:t>
+            </a:r>
+            <a:r>
+              <a:rPr lang="en-US" dirty="0" err="1" smtClean="0">
+                <a:latin typeface="Meiryo UI" pitchFamily="50" charset="-128"/>
+                <a:ea typeface="Meiryo UI" pitchFamily="50" charset="-128"/>
+                <a:cs typeface="Meiryo UI" pitchFamily="50" charset="-128"/>
+                <a:sym typeface="Wingdings" panose="05000000000000000000" pitchFamily="2" charset="2"/>
+              </a:rPr>
+              <a:t>dụng</a:t>
+            </a:r>
+            <a:r>
+              <a:rPr lang="en-US" dirty="0" smtClean="0">
+                <a:latin typeface="Meiryo UI" pitchFamily="50" charset="-128"/>
+                <a:ea typeface="Meiryo UI" pitchFamily="50" charset="-128"/>
+                <a:cs typeface="Meiryo UI" pitchFamily="50" charset="-128"/>
+                <a:sym typeface="Wingdings" panose="05000000000000000000" pitchFamily="2" charset="2"/>
+              </a:rPr>
+              <a:t> </a:t>
+            </a:r>
+            <a:r>
+              <a:rPr lang="en-US" dirty="0" err="1" smtClean="0">
+                <a:latin typeface="Meiryo UI" pitchFamily="50" charset="-128"/>
+                <a:ea typeface="Meiryo UI" pitchFamily="50" charset="-128"/>
+                <a:cs typeface="Meiryo UI" pitchFamily="50" charset="-128"/>
+                <a:sym typeface="Wingdings" panose="05000000000000000000" pitchFamily="2" charset="2"/>
+              </a:rPr>
+              <a:t>của</a:t>
+            </a:r>
+            <a:r>
+              <a:rPr lang="en-US" dirty="0" smtClean="0">
+                <a:latin typeface="Meiryo UI" pitchFamily="50" charset="-128"/>
+                <a:ea typeface="Meiryo UI" pitchFamily="50" charset="-128"/>
+                <a:cs typeface="Meiryo UI" pitchFamily="50" charset="-128"/>
+                <a:sym typeface="Wingdings" panose="05000000000000000000" pitchFamily="2" charset="2"/>
+              </a:rPr>
+              <a:t> </a:t>
+            </a:r>
+            <a:r>
+              <a:rPr lang="en-US" dirty="0" err="1" smtClean="0">
+                <a:latin typeface="Meiryo UI" pitchFamily="50" charset="-128"/>
+                <a:ea typeface="Meiryo UI" pitchFamily="50" charset="-128"/>
+                <a:cs typeface="Meiryo UI" pitchFamily="50" charset="-128"/>
+                <a:sym typeface="Wingdings" panose="05000000000000000000" pitchFamily="2" charset="2"/>
+              </a:rPr>
+              <a:t>IoT</a:t>
+            </a:r>
+            <a:r>
+              <a:rPr lang="en-US" dirty="0" smtClean="0">
+                <a:latin typeface="Meiryo UI" pitchFamily="50" charset="-128"/>
+                <a:ea typeface="Meiryo UI" pitchFamily="50" charset="-128"/>
+                <a:cs typeface="Meiryo UI" pitchFamily="50" charset="-128"/>
+                <a:sym typeface="Wingdings" panose="05000000000000000000" pitchFamily="2" charset="2"/>
+              </a:rPr>
+              <a:t> </a:t>
+            </a:r>
+            <a:r>
+              <a:rPr lang="en-US" dirty="0" err="1" smtClean="0">
+                <a:latin typeface="Meiryo UI" pitchFamily="50" charset="-128"/>
+                <a:ea typeface="Meiryo UI" pitchFamily="50" charset="-128"/>
+                <a:cs typeface="Meiryo UI" pitchFamily="50" charset="-128"/>
+                <a:sym typeface="Wingdings" panose="05000000000000000000" pitchFamily="2" charset="2"/>
+              </a:rPr>
+              <a:t>sử</a:t>
+            </a:r>
+            <a:r>
+              <a:rPr lang="en-US" dirty="0" smtClean="0">
+                <a:latin typeface="Meiryo UI" pitchFamily="50" charset="-128"/>
+                <a:ea typeface="Meiryo UI" pitchFamily="50" charset="-128"/>
+                <a:cs typeface="Meiryo UI" pitchFamily="50" charset="-128"/>
+                <a:sym typeface="Wingdings" panose="05000000000000000000" pitchFamily="2" charset="2"/>
+              </a:rPr>
+              <a:t> </a:t>
+            </a:r>
+            <a:r>
+              <a:rPr lang="en-US" dirty="0" err="1" smtClean="0">
+                <a:latin typeface="Meiryo UI" pitchFamily="50" charset="-128"/>
+                <a:ea typeface="Meiryo UI" pitchFamily="50" charset="-128"/>
+                <a:cs typeface="Meiryo UI" pitchFamily="50" charset="-128"/>
+                <a:sym typeface="Wingdings" panose="05000000000000000000" pitchFamily="2" charset="2"/>
+              </a:rPr>
+              <a:t>dụng</a:t>
+            </a:r>
+            <a:r>
+              <a:rPr lang="en-US" dirty="0" smtClean="0">
+                <a:latin typeface="Meiryo UI" pitchFamily="50" charset="-128"/>
+                <a:ea typeface="Meiryo UI" pitchFamily="50" charset="-128"/>
+                <a:cs typeface="Meiryo UI" pitchFamily="50" charset="-128"/>
+                <a:sym typeface="Wingdings" panose="05000000000000000000" pitchFamily="2" charset="2"/>
+              </a:rPr>
+              <a:t> 8266: (</a:t>
+            </a:r>
+            <a:r>
+              <a:rPr lang="en-US" dirty="0" err="1" smtClean="0">
+                <a:latin typeface="Meiryo UI" pitchFamily="50" charset="-128"/>
+                <a:ea typeface="Meiryo UI" pitchFamily="50" charset="-128"/>
+                <a:cs typeface="Meiryo UI" pitchFamily="50" charset="-128"/>
+                <a:sym typeface="Wingdings" panose="05000000000000000000" pitchFamily="2" charset="2"/>
+              </a:rPr>
+              <a:t>đô</a:t>
+            </a:r>
+            <a:r>
+              <a:rPr lang="en-US" dirty="0" smtClean="0">
+                <a:latin typeface="Meiryo UI" pitchFamily="50" charset="-128"/>
+                <a:ea typeface="Meiryo UI" pitchFamily="50" charset="-128"/>
+                <a:cs typeface="Meiryo UI" pitchFamily="50" charset="-128"/>
+                <a:sym typeface="Wingdings" panose="05000000000000000000" pitchFamily="2" charset="2"/>
+              </a:rPr>
+              <a:t> </a:t>
+            </a:r>
+            <a:r>
+              <a:rPr lang="en-US" dirty="0" err="1" smtClean="0">
+                <a:latin typeface="Meiryo UI" pitchFamily="50" charset="-128"/>
+                <a:ea typeface="Meiryo UI" pitchFamily="50" charset="-128"/>
+                <a:cs typeface="Meiryo UI" pitchFamily="50" charset="-128"/>
+                <a:sym typeface="Wingdings" panose="05000000000000000000" pitchFamily="2" charset="2"/>
+              </a:rPr>
+              <a:t>nhiệt</a:t>
+            </a:r>
+            <a:r>
+              <a:rPr lang="en-US" dirty="0" smtClean="0">
+                <a:latin typeface="Meiryo UI" pitchFamily="50" charset="-128"/>
+                <a:ea typeface="Meiryo UI" pitchFamily="50" charset="-128"/>
+                <a:cs typeface="Meiryo UI" pitchFamily="50" charset="-128"/>
+                <a:sym typeface="Wingdings" panose="05000000000000000000" pitchFamily="2" charset="2"/>
+              </a:rPr>
+              <a:t> </a:t>
+            </a:r>
+            <a:r>
+              <a:rPr lang="en-US" dirty="0" err="1" smtClean="0">
+                <a:latin typeface="Meiryo UI" pitchFamily="50" charset="-128"/>
+                <a:ea typeface="Meiryo UI" pitchFamily="50" charset="-128"/>
+                <a:cs typeface="Meiryo UI" pitchFamily="50" charset="-128"/>
+                <a:sym typeface="Wingdings" panose="05000000000000000000" pitchFamily="2" charset="2"/>
+              </a:rPr>
+              <a:t>độ</a:t>
+            </a:r>
+            <a:r>
+              <a:rPr lang="en-US" dirty="0" smtClean="0">
+                <a:latin typeface="Meiryo UI" pitchFamily="50" charset="-128"/>
+                <a:ea typeface="Meiryo UI" pitchFamily="50" charset="-128"/>
+                <a:cs typeface="Meiryo UI" pitchFamily="50" charset="-128"/>
+                <a:sym typeface="Wingdings" panose="05000000000000000000" pitchFamily="2" charset="2"/>
+              </a:rPr>
+              <a:t> </a:t>
+            </a:r>
+            <a:r>
+              <a:rPr lang="en-US" dirty="0" err="1" smtClean="0">
+                <a:latin typeface="Meiryo UI" pitchFamily="50" charset="-128"/>
+                <a:ea typeface="Meiryo UI" pitchFamily="50" charset="-128"/>
+                <a:cs typeface="Meiryo UI" pitchFamily="50" charset="-128"/>
+                <a:sym typeface="Wingdings" panose="05000000000000000000" pitchFamily="2" charset="2"/>
+              </a:rPr>
+              <a:t>đổ</a:t>
+            </a:r>
+            <a:r>
+              <a:rPr lang="en-US" dirty="0" smtClean="0">
+                <a:latin typeface="Meiryo UI" pitchFamily="50" charset="-128"/>
+                <a:ea typeface="Meiryo UI" pitchFamily="50" charset="-128"/>
+                <a:cs typeface="Meiryo UI" pitchFamily="50" charset="-128"/>
+                <a:sym typeface="Wingdings" panose="05000000000000000000" pitchFamily="2" charset="2"/>
+              </a:rPr>
+              <a:t> </a:t>
+            </a:r>
+            <a:r>
+              <a:rPr lang="en-US" dirty="0" err="1" smtClean="0">
+                <a:latin typeface="Meiryo UI" pitchFamily="50" charset="-128"/>
+                <a:ea typeface="Meiryo UI" pitchFamily="50" charset="-128"/>
+                <a:cs typeface="Meiryo UI" pitchFamily="50" charset="-128"/>
+                <a:sym typeface="Wingdings" panose="05000000000000000000" pitchFamily="2" charset="2"/>
+              </a:rPr>
+              <a:t>ẩm</a:t>
+            </a:r>
+            <a:r>
+              <a:rPr lang="en-US" dirty="0">
+                <a:latin typeface="Meiryo UI" pitchFamily="50" charset="-128"/>
+                <a:ea typeface="Meiryo UI" pitchFamily="50" charset="-128"/>
+                <a:cs typeface="Meiryo UI" pitchFamily="50" charset="-128"/>
+                <a:sym typeface="Wingdings" panose="05000000000000000000" pitchFamily="2" charset="2"/>
+              </a:rPr>
+              <a:t> </a:t>
+            </a:r>
+            <a:r>
+              <a:rPr lang="en-US" dirty="0" smtClean="0">
+                <a:latin typeface="Meiryo UI" pitchFamily="50" charset="-128"/>
+                <a:ea typeface="Meiryo UI" pitchFamily="50" charset="-128"/>
+                <a:cs typeface="Meiryo UI" pitchFamily="50" charset="-128"/>
+                <a:sym typeface="Wingdings" panose="05000000000000000000" pitchFamily="2" charset="2"/>
+              </a:rPr>
+              <a:t></a:t>
+            </a:r>
+            <a:r>
+              <a:rPr lang="en-US" dirty="0" err="1" smtClean="0">
+                <a:latin typeface="Meiryo UI" pitchFamily="50" charset="-128"/>
+                <a:ea typeface="Meiryo UI" pitchFamily="50" charset="-128"/>
+                <a:cs typeface="Meiryo UI" pitchFamily="50" charset="-128"/>
+                <a:sym typeface="Wingdings" panose="05000000000000000000" pitchFamily="2" charset="2"/>
+              </a:rPr>
+              <a:t>tưới</a:t>
+            </a:r>
+            <a:r>
+              <a:rPr lang="en-US" dirty="0" smtClean="0">
+                <a:latin typeface="Meiryo UI" pitchFamily="50" charset="-128"/>
+                <a:ea typeface="Meiryo UI" pitchFamily="50" charset="-128"/>
+                <a:cs typeface="Meiryo UI" pitchFamily="50" charset="-128"/>
+                <a:sym typeface="Wingdings" panose="05000000000000000000" pitchFamily="2" charset="2"/>
+              </a:rPr>
+              <a:t>.</a:t>
+            </a:r>
+          </a:p>
+          <a:p>
+            <a:r>
+              <a:rPr lang="en-US" dirty="0" err="1" smtClean="0">
+                <a:latin typeface="Meiryo UI" pitchFamily="50" charset="-128"/>
+                <a:ea typeface="Meiryo UI" pitchFamily="50" charset="-128"/>
+                <a:cs typeface="Meiryo UI" pitchFamily="50" charset="-128"/>
+                <a:sym typeface="Wingdings" panose="05000000000000000000" pitchFamily="2" charset="2"/>
+              </a:rPr>
+              <a:t>Báo</a:t>
+            </a:r>
+            <a:r>
+              <a:rPr lang="en-US" dirty="0" smtClean="0">
+                <a:latin typeface="Meiryo UI" pitchFamily="50" charset="-128"/>
+                <a:ea typeface="Meiryo UI" pitchFamily="50" charset="-128"/>
+                <a:cs typeface="Meiryo UI" pitchFamily="50" charset="-128"/>
+                <a:sym typeface="Wingdings" panose="05000000000000000000" pitchFamily="2" charset="2"/>
+              </a:rPr>
+              <a:t> </a:t>
+            </a:r>
+            <a:r>
+              <a:rPr lang="en-US" dirty="0" err="1" smtClean="0">
+                <a:latin typeface="Meiryo UI" pitchFamily="50" charset="-128"/>
+                <a:ea typeface="Meiryo UI" pitchFamily="50" charset="-128"/>
+                <a:cs typeface="Meiryo UI" pitchFamily="50" charset="-128"/>
+                <a:sym typeface="Wingdings" panose="05000000000000000000" pitchFamily="2" charset="2"/>
+              </a:rPr>
+              <a:t>động</a:t>
+            </a:r>
+            <a:r>
+              <a:rPr lang="en-US" dirty="0" smtClean="0">
+                <a:latin typeface="Meiryo UI" pitchFamily="50" charset="-128"/>
+                <a:ea typeface="Meiryo UI" pitchFamily="50" charset="-128"/>
+                <a:cs typeface="Meiryo UI" pitchFamily="50" charset="-128"/>
+                <a:sym typeface="Wingdings" panose="05000000000000000000" pitchFamily="2" charset="2"/>
+              </a:rPr>
+              <a:t> </a:t>
+            </a:r>
+            <a:r>
+              <a:rPr lang="en-US" dirty="0" err="1" smtClean="0">
+                <a:latin typeface="Meiryo UI" pitchFamily="50" charset="-128"/>
+                <a:ea typeface="Meiryo UI" pitchFamily="50" charset="-128"/>
+                <a:cs typeface="Meiryo UI" pitchFamily="50" charset="-128"/>
+                <a:sym typeface="Wingdings" panose="05000000000000000000" pitchFamily="2" charset="2"/>
+              </a:rPr>
+              <a:t>chống</a:t>
+            </a:r>
+            <a:r>
+              <a:rPr lang="en-US" dirty="0" smtClean="0">
+                <a:latin typeface="Meiryo UI" pitchFamily="50" charset="-128"/>
+                <a:ea typeface="Meiryo UI" pitchFamily="50" charset="-128"/>
+                <a:cs typeface="Meiryo UI" pitchFamily="50" charset="-128"/>
+                <a:sym typeface="Wingdings" panose="05000000000000000000" pitchFamily="2" charset="2"/>
+              </a:rPr>
+              <a:t> </a:t>
+            </a:r>
+            <a:r>
+              <a:rPr lang="en-US" dirty="0" err="1" smtClean="0">
+                <a:latin typeface="Meiryo UI" pitchFamily="50" charset="-128"/>
+                <a:ea typeface="Meiryo UI" pitchFamily="50" charset="-128"/>
+                <a:cs typeface="Meiryo UI" pitchFamily="50" charset="-128"/>
+                <a:sym typeface="Wingdings" panose="05000000000000000000" pitchFamily="2" charset="2"/>
+              </a:rPr>
+              <a:t>trộm</a:t>
+            </a:r>
+            <a:r>
+              <a:rPr lang="en-US" dirty="0" smtClean="0">
+                <a:latin typeface="Meiryo UI" pitchFamily="50" charset="-128"/>
+                <a:ea typeface="Meiryo UI" pitchFamily="50" charset="-128"/>
+                <a:cs typeface="Meiryo UI" pitchFamily="50" charset="-128"/>
+                <a:sym typeface="Wingdings" panose="05000000000000000000" pitchFamily="2" charset="2"/>
+              </a:rPr>
+              <a:t>, </a:t>
+            </a:r>
+            <a:r>
+              <a:rPr lang="en-US" dirty="0" err="1" smtClean="0">
+                <a:latin typeface="Meiryo UI" pitchFamily="50" charset="-128"/>
+                <a:ea typeface="Meiryo UI" pitchFamily="50" charset="-128"/>
+                <a:cs typeface="Meiryo UI" pitchFamily="50" charset="-128"/>
+                <a:sym typeface="Wingdings" panose="05000000000000000000" pitchFamily="2" charset="2"/>
+              </a:rPr>
+              <a:t>của</a:t>
+            </a:r>
+            <a:r>
+              <a:rPr lang="en-US" dirty="0" smtClean="0">
+                <a:latin typeface="Meiryo UI" pitchFamily="50" charset="-128"/>
+                <a:ea typeface="Meiryo UI" pitchFamily="50" charset="-128"/>
+                <a:cs typeface="Meiryo UI" pitchFamily="50" charset="-128"/>
+                <a:sym typeface="Wingdings" panose="05000000000000000000" pitchFamily="2" charset="2"/>
+              </a:rPr>
+              <a:t> </a:t>
+            </a:r>
+            <a:r>
+              <a:rPr lang="en-US" dirty="0" err="1" smtClean="0">
+                <a:latin typeface="Meiryo UI" pitchFamily="50" charset="-128"/>
+                <a:ea typeface="Meiryo UI" pitchFamily="50" charset="-128"/>
+                <a:cs typeface="Meiryo UI" pitchFamily="50" charset="-128"/>
+                <a:sym typeface="Wingdings" panose="05000000000000000000" pitchFamily="2" charset="2"/>
+              </a:rPr>
+              <a:t>tự</a:t>
+            </a:r>
+            <a:r>
+              <a:rPr lang="en-US" dirty="0" smtClean="0">
+                <a:latin typeface="Meiryo UI" pitchFamily="50" charset="-128"/>
+                <a:ea typeface="Meiryo UI" pitchFamily="50" charset="-128"/>
+                <a:cs typeface="Meiryo UI" pitchFamily="50" charset="-128"/>
+                <a:sym typeface="Wingdings" panose="05000000000000000000" pitchFamily="2" charset="2"/>
+              </a:rPr>
+              <a:t> </a:t>
+            </a:r>
+            <a:r>
+              <a:rPr lang="en-US" dirty="0" err="1" smtClean="0">
+                <a:latin typeface="Meiryo UI" pitchFamily="50" charset="-128"/>
+                <a:ea typeface="Meiryo UI" pitchFamily="50" charset="-128"/>
+                <a:cs typeface="Meiryo UI" pitchFamily="50" charset="-128"/>
+                <a:sym typeface="Wingdings" panose="05000000000000000000" pitchFamily="2" charset="2"/>
+              </a:rPr>
+              <a:t>động</a:t>
+            </a:r>
+            <a:r>
+              <a:rPr lang="en-US" dirty="0" smtClean="0">
+                <a:latin typeface="Meiryo UI" pitchFamily="50" charset="-128"/>
+                <a:ea typeface="Meiryo UI" pitchFamily="50" charset="-128"/>
+                <a:cs typeface="Meiryo UI" pitchFamily="50" charset="-128"/>
+                <a:sym typeface="Wingdings" panose="05000000000000000000" pitchFamily="2" charset="2"/>
+              </a:rPr>
+              <a:t>, </a:t>
+            </a:r>
+            <a:r>
+              <a:rPr lang="en-US" dirty="0" err="1" smtClean="0">
+                <a:latin typeface="Meiryo UI" pitchFamily="50" charset="-128"/>
+                <a:ea typeface="Meiryo UI" pitchFamily="50" charset="-128"/>
+                <a:cs typeface="Meiryo UI" pitchFamily="50" charset="-128"/>
+                <a:sym typeface="Wingdings" panose="05000000000000000000" pitchFamily="2" charset="2"/>
+              </a:rPr>
+              <a:t>IoT</a:t>
+            </a:r>
+            <a:r>
+              <a:rPr lang="en-US" dirty="0" smtClean="0">
+                <a:latin typeface="Meiryo UI" pitchFamily="50" charset="-128"/>
+                <a:ea typeface="Meiryo UI" pitchFamily="50" charset="-128"/>
+                <a:cs typeface="Meiryo UI" pitchFamily="50" charset="-128"/>
+                <a:sym typeface="Wingdings" panose="05000000000000000000" pitchFamily="2" charset="2"/>
+              </a:rPr>
+              <a:t> </a:t>
+            </a:r>
+            <a:r>
+              <a:rPr lang="en-US" dirty="0" err="1" smtClean="0">
+                <a:latin typeface="Meiryo UI" pitchFamily="50" charset="-128"/>
+                <a:ea typeface="Meiryo UI" pitchFamily="50" charset="-128"/>
+                <a:cs typeface="Meiryo UI" pitchFamily="50" charset="-128"/>
+                <a:sym typeface="Wingdings" panose="05000000000000000000" pitchFamily="2" charset="2"/>
+              </a:rPr>
+              <a:t>trong</a:t>
+            </a:r>
+            <a:r>
+              <a:rPr lang="en-US" dirty="0" smtClean="0">
+                <a:latin typeface="Meiryo UI" pitchFamily="50" charset="-128"/>
+                <a:ea typeface="Meiryo UI" pitchFamily="50" charset="-128"/>
+                <a:cs typeface="Meiryo UI" pitchFamily="50" charset="-128"/>
+                <a:sym typeface="Wingdings" panose="05000000000000000000" pitchFamily="2" charset="2"/>
+              </a:rPr>
+              <a:t> </a:t>
+            </a:r>
+            <a:r>
+              <a:rPr lang="en-US" dirty="0" err="1" smtClean="0">
+                <a:latin typeface="Meiryo UI" pitchFamily="50" charset="-128"/>
+                <a:ea typeface="Meiryo UI" pitchFamily="50" charset="-128"/>
+                <a:cs typeface="Meiryo UI" pitchFamily="50" charset="-128"/>
+                <a:sym typeface="Wingdings" panose="05000000000000000000" pitchFamily="2" charset="2"/>
+              </a:rPr>
+              <a:t>sản</a:t>
+            </a:r>
+            <a:r>
+              <a:rPr lang="en-US" dirty="0" smtClean="0">
+                <a:latin typeface="Meiryo UI" pitchFamily="50" charset="-128"/>
+                <a:ea typeface="Meiryo UI" pitchFamily="50" charset="-128"/>
+                <a:cs typeface="Meiryo UI" pitchFamily="50" charset="-128"/>
+                <a:sym typeface="Wingdings" panose="05000000000000000000" pitchFamily="2" charset="2"/>
+              </a:rPr>
+              <a:t> </a:t>
+            </a:r>
+            <a:r>
+              <a:rPr lang="en-US" dirty="0" err="1" smtClean="0">
+                <a:latin typeface="Meiryo UI" pitchFamily="50" charset="-128"/>
+                <a:ea typeface="Meiryo UI" pitchFamily="50" charset="-128"/>
+                <a:cs typeface="Meiryo UI" pitchFamily="50" charset="-128"/>
+                <a:sym typeface="Wingdings" panose="05000000000000000000" pitchFamily="2" charset="2"/>
+              </a:rPr>
+              <a:t>xuất</a:t>
+            </a:r>
+            <a:r>
+              <a:rPr lang="en-US" dirty="0" smtClean="0">
+                <a:latin typeface="Meiryo UI" pitchFamily="50" charset="-128"/>
+                <a:ea typeface="Meiryo UI" pitchFamily="50" charset="-128"/>
+                <a:cs typeface="Meiryo UI" pitchFamily="50" charset="-128"/>
+                <a:sym typeface="Wingdings" panose="05000000000000000000" pitchFamily="2" charset="2"/>
+              </a:rPr>
+              <a:t>: </a:t>
+            </a:r>
+            <a:r>
+              <a:rPr lang="en-US" dirty="0" err="1" smtClean="0">
+                <a:latin typeface="Meiryo UI" pitchFamily="50" charset="-128"/>
+                <a:ea typeface="Meiryo UI" pitchFamily="50" charset="-128"/>
+                <a:cs typeface="Meiryo UI" pitchFamily="50" charset="-128"/>
+                <a:sym typeface="Wingdings" panose="05000000000000000000" pitchFamily="2" charset="2"/>
+              </a:rPr>
+              <a:t>sử</a:t>
+            </a:r>
+            <a:r>
+              <a:rPr lang="en-US" dirty="0" smtClean="0">
+                <a:latin typeface="Meiryo UI" pitchFamily="50" charset="-128"/>
+                <a:ea typeface="Meiryo UI" pitchFamily="50" charset="-128"/>
+                <a:cs typeface="Meiryo UI" pitchFamily="50" charset="-128"/>
+                <a:sym typeface="Wingdings" panose="05000000000000000000" pitchFamily="2" charset="2"/>
+              </a:rPr>
+              <a:t> </a:t>
+            </a:r>
+            <a:r>
+              <a:rPr lang="en-US" dirty="0" err="1" smtClean="0">
+                <a:latin typeface="Meiryo UI" pitchFamily="50" charset="-128"/>
+                <a:ea typeface="Meiryo UI" pitchFamily="50" charset="-128"/>
+                <a:cs typeface="Meiryo UI" pitchFamily="50" charset="-128"/>
+                <a:sym typeface="Wingdings" panose="05000000000000000000" pitchFamily="2" charset="2"/>
+              </a:rPr>
+              <a:t>dụng</a:t>
+            </a:r>
+            <a:r>
+              <a:rPr lang="en-US" dirty="0" smtClean="0">
+                <a:latin typeface="Meiryo UI" pitchFamily="50" charset="-128"/>
+                <a:ea typeface="Meiryo UI" pitchFamily="50" charset="-128"/>
+                <a:cs typeface="Meiryo UI" pitchFamily="50" charset="-128"/>
+                <a:sym typeface="Wingdings" panose="05000000000000000000" pitchFamily="2" charset="2"/>
+              </a:rPr>
+              <a:t> </a:t>
+            </a:r>
+            <a:r>
+              <a:rPr lang="en-US" dirty="0" err="1" smtClean="0">
+                <a:latin typeface="Meiryo UI" pitchFamily="50" charset="-128"/>
+                <a:ea typeface="Meiryo UI" pitchFamily="50" charset="-128"/>
+                <a:cs typeface="Meiryo UI" pitchFamily="50" charset="-128"/>
+                <a:sym typeface="Wingdings" panose="05000000000000000000" pitchFamily="2" charset="2"/>
+              </a:rPr>
+              <a:t>để</a:t>
+            </a:r>
+            <a:r>
+              <a:rPr lang="en-US" dirty="0" smtClean="0">
+                <a:latin typeface="Meiryo UI" pitchFamily="50" charset="-128"/>
+                <a:ea typeface="Meiryo UI" pitchFamily="50" charset="-128"/>
+                <a:cs typeface="Meiryo UI" pitchFamily="50" charset="-128"/>
+                <a:sym typeface="Wingdings" panose="05000000000000000000" pitchFamily="2" charset="2"/>
+              </a:rPr>
+              <a:t> </a:t>
+            </a:r>
+            <a:r>
+              <a:rPr lang="en-US" dirty="0" err="1" smtClean="0">
+                <a:latin typeface="Meiryo UI" pitchFamily="50" charset="-128"/>
+                <a:ea typeface="Meiryo UI" pitchFamily="50" charset="-128"/>
+                <a:cs typeface="Meiryo UI" pitchFamily="50" charset="-128"/>
+                <a:sym typeface="Wingdings" panose="05000000000000000000" pitchFamily="2" charset="2"/>
+              </a:rPr>
+              <a:t>thu</a:t>
+            </a:r>
+            <a:r>
+              <a:rPr lang="en-US" dirty="0" smtClean="0">
+                <a:latin typeface="Meiryo UI" pitchFamily="50" charset="-128"/>
+                <a:ea typeface="Meiryo UI" pitchFamily="50" charset="-128"/>
+                <a:cs typeface="Meiryo UI" pitchFamily="50" charset="-128"/>
+                <a:sym typeface="Wingdings" panose="05000000000000000000" pitchFamily="2" charset="2"/>
+              </a:rPr>
+              <a:t> </a:t>
+            </a:r>
+            <a:r>
+              <a:rPr lang="en-US" dirty="0" err="1" smtClean="0">
+                <a:latin typeface="Meiryo UI" pitchFamily="50" charset="-128"/>
+                <a:ea typeface="Meiryo UI" pitchFamily="50" charset="-128"/>
+                <a:cs typeface="Meiryo UI" pitchFamily="50" charset="-128"/>
+                <a:sym typeface="Wingdings" panose="05000000000000000000" pitchFamily="2" charset="2"/>
+              </a:rPr>
+              <a:t>thập</a:t>
+            </a:r>
+            <a:r>
+              <a:rPr lang="en-US" dirty="0" smtClean="0">
+                <a:latin typeface="Meiryo UI" pitchFamily="50" charset="-128"/>
+                <a:ea typeface="Meiryo UI" pitchFamily="50" charset="-128"/>
+                <a:cs typeface="Meiryo UI" pitchFamily="50" charset="-128"/>
+                <a:sym typeface="Wingdings" panose="05000000000000000000" pitchFamily="2" charset="2"/>
+              </a:rPr>
+              <a:t> data </a:t>
+            </a:r>
+            <a:r>
+              <a:rPr lang="en-US" dirty="0" err="1" smtClean="0">
+                <a:latin typeface="Meiryo UI" pitchFamily="50" charset="-128"/>
+                <a:ea typeface="Meiryo UI" pitchFamily="50" charset="-128"/>
+                <a:cs typeface="Meiryo UI" pitchFamily="50" charset="-128"/>
+                <a:sym typeface="Wingdings" panose="05000000000000000000" pitchFamily="2" charset="2"/>
+              </a:rPr>
+              <a:t>của</a:t>
+            </a:r>
+            <a:r>
+              <a:rPr lang="en-US" dirty="0" smtClean="0">
+                <a:latin typeface="Meiryo UI" pitchFamily="50" charset="-128"/>
+                <a:ea typeface="Meiryo UI" pitchFamily="50" charset="-128"/>
+                <a:cs typeface="Meiryo UI" pitchFamily="50" charset="-128"/>
+                <a:sym typeface="Wingdings" panose="05000000000000000000" pitchFamily="2" charset="2"/>
+              </a:rPr>
+              <a:t> </a:t>
+            </a:r>
+            <a:r>
+              <a:rPr lang="en-US" dirty="0" err="1" smtClean="0">
+                <a:latin typeface="Meiryo UI" pitchFamily="50" charset="-128"/>
+                <a:ea typeface="Meiryo UI" pitchFamily="50" charset="-128"/>
+                <a:cs typeface="Meiryo UI" pitchFamily="50" charset="-128"/>
+                <a:sym typeface="Wingdings" panose="05000000000000000000" pitchFamily="2" charset="2"/>
+              </a:rPr>
+              <a:t>máy</a:t>
+            </a:r>
+            <a:r>
+              <a:rPr lang="en-US" dirty="0" smtClean="0">
+                <a:latin typeface="Meiryo UI" pitchFamily="50" charset="-128"/>
+                <a:ea typeface="Meiryo UI" pitchFamily="50" charset="-128"/>
+                <a:cs typeface="Meiryo UI" pitchFamily="50" charset="-128"/>
+                <a:sym typeface="Wingdings" panose="05000000000000000000" pitchFamily="2" charset="2"/>
+              </a:rPr>
+              <a:t> </a:t>
+            </a:r>
+            <a:r>
+              <a:rPr lang="en-US" dirty="0" err="1" smtClean="0">
+                <a:latin typeface="Meiryo UI" pitchFamily="50" charset="-128"/>
+                <a:ea typeface="Meiryo UI" pitchFamily="50" charset="-128"/>
+                <a:cs typeface="Meiryo UI" pitchFamily="50" charset="-128"/>
+                <a:sym typeface="Wingdings" panose="05000000000000000000" pitchFamily="2" charset="2"/>
+              </a:rPr>
+              <a:t>móc</a:t>
+            </a:r>
+            <a:r>
+              <a:rPr lang="en-US" dirty="0" smtClean="0">
+                <a:latin typeface="Meiryo UI" pitchFamily="50" charset="-128"/>
+                <a:ea typeface="Meiryo UI" pitchFamily="50" charset="-128"/>
+                <a:cs typeface="Meiryo UI" pitchFamily="50" charset="-128"/>
+                <a:sym typeface="Wingdings" panose="05000000000000000000" pitchFamily="2" charset="2"/>
+              </a:rPr>
+              <a:t> </a:t>
+            </a:r>
+            <a:r>
+              <a:rPr lang="en-US" dirty="0" err="1" smtClean="0">
+                <a:latin typeface="Meiryo UI" pitchFamily="50" charset="-128"/>
+                <a:ea typeface="Meiryo UI" pitchFamily="50" charset="-128"/>
+                <a:cs typeface="Meiryo UI" pitchFamily="50" charset="-128"/>
+                <a:sym typeface="Wingdings" panose="05000000000000000000" pitchFamily="2" charset="2"/>
+              </a:rPr>
+              <a:t>thiết</a:t>
+            </a:r>
+            <a:r>
+              <a:rPr lang="en-US" dirty="0" smtClean="0">
+                <a:latin typeface="Meiryo UI" pitchFamily="50" charset="-128"/>
+                <a:ea typeface="Meiryo UI" pitchFamily="50" charset="-128"/>
+                <a:cs typeface="Meiryo UI" pitchFamily="50" charset="-128"/>
+                <a:sym typeface="Wingdings" panose="05000000000000000000" pitchFamily="2" charset="2"/>
+              </a:rPr>
+              <a:t> </a:t>
+            </a:r>
+            <a:r>
+              <a:rPr lang="en-US" dirty="0" err="1" smtClean="0">
+                <a:latin typeface="Meiryo UI" pitchFamily="50" charset="-128"/>
+                <a:ea typeface="Meiryo UI" pitchFamily="50" charset="-128"/>
+                <a:cs typeface="Meiryo UI" pitchFamily="50" charset="-128"/>
+                <a:sym typeface="Wingdings" panose="05000000000000000000" pitchFamily="2" charset="2"/>
+              </a:rPr>
+              <a:t>bị</a:t>
+            </a:r>
+            <a:r>
+              <a:rPr lang="en-US" dirty="0" smtClean="0">
+                <a:latin typeface="Meiryo UI" pitchFamily="50" charset="-128"/>
+                <a:ea typeface="Meiryo UI" pitchFamily="50" charset="-128"/>
+                <a:cs typeface="Meiryo UI" pitchFamily="50" charset="-128"/>
+                <a:sym typeface="Wingdings" panose="05000000000000000000" pitchFamily="2" charset="2"/>
+              </a:rPr>
+              <a:t> </a:t>
+            </a:r>
+            <a:r>
+              <a:rPr lang="en-US" dirty="0" err="1" smtClean="0">
+                <a:latin typeface="Meiryo UI" pitchFamily="50" charset="-128"/>
+                <a:ea typeface="Meiryo UI" pitchFamily="50" charset="-128"/>
+                <a:cs typeface="Meiryo UI" pitchFamily="50" charset="-128"/>
+                <a:sym typeface="Wingdings" panose="05000000000000000000" pitchFamily="2" charset="2"/>
+              </a:rPr>
+              <a:t>trong</a:t>
+            </a:r>
+            <a:r>
+              <a:rPr lang="en-US" dirty="0" smtClean="0">
+                <a:latin typeface="Meiryo UI" pitchFamily="50" charset="-128"/>
+                <a:ea typeface="Meiryo UI" pitchFamily="50" charset="-128"/>
+                <a:cs typeface="Meiryo UI" pitchFamily="50" charset="-128"/>
+                <a:sym typeface="Wingdings" panose="05000000000000000000" pitchFamily="2" charset="2"/>
+              </a:rPr>
+              <a:t> </a:t>
+            </a:r>
+            <a:r>
+              <a:rPr lang="en-US" dirty="0" err="1" smtClean="0">
+                <a:latin typeface="Meiryo UI" pitchFamily="50" charset="-128"/>
+                <a:ea typeface="Meiryo UI" pitchFamily="50" charset="-128"/>
+                <a:cs typeface="Meiryo UI" pitchFamily="50" charset="-128"/>
+                <a:sym typeface="Wingdings" panose="05000000000000000000" pitchFamily="2" charset="2"/>
+              </a:rPr>
+              <a:t>nhà</a:t>
+            </a:r>
+            <a:r>
+              <a:rPr lang="en-US" dirty="0" smtClean="0">
+                <a:latin typeface="Meiryo UI" pitchFamily="50" charset="-128"/>
+                <a:ea typeface="Meiryo UI" pitchFamily="50" charset="-128"/>
+                <a:cs typeface="Meiryo UI" pitchFamily="50" charset="-128"/>
+                <a:sym typeface="Wingdings" panose="05000000000000000000" pitchFamily="2" charset="2"/>
+              </a:rPr>
+              <a:t> </a:t>
+            </a:r>
+            <a:r>
+              <a:rPr lang="en-US" dirty="0" err="1" smtClean="0">
+                <a:latin typeface="Meiryo UI" pitchFamily="50" charset="-128"/>
+                <a:ea typeface="Meiryo UI" pitchFamily="50" charset="-128"/>
+                <a:cs typeface="Meiryo UI" pitchFamily="50" charset="-128"/>
+                <a:sym typeface="Wingdings" panose="05000000000000000000" pitchFamily="2" charset="2"/>
+              </a:rPr>
+              <a:t>xưởng</a:t>
+            </a:r>
+            <a:r>
+              <a:rPr lang="en-US" dirty="0" smtClean="0">
+                <a:latin typeface="Meiryo UI" pitchFamily="50" charset="-128"/>
+                <a:ea typeface="Meiryo UI" pitchFamily="50" charset="-128"/>
+                <a:cs typeface="Meiryo UI" pitchFamily="50" charset="-128"/>
+                <a:sym typeface="Wingdings" panose="05000000000000000000" pitchFamily="2" charset="2"/>
+              </a:rPr>
+              <a:t>, </a:t>
+            </a:r>
+            <a:r>
+              <a:rPr lang="en-US" dirty="0" err="1" smtClean="0">
+                <a:latin typeface="Meiryo UI" pitchFamily="50" charset="-128"/>
+                <a:ea typeface="Meiryo UI" pitchFamily="50" charset="-128"/>
+                <a:cs typeface="Meiryo UI" pitchFamily="50" charset="-128"/>
+                <a:sym typeface="Wingdings" panose="05000000000000000000" pitchFamily="2" charset="2"/>
+              </a:rPr>
+              <a:t>Smarthome</a:t>
+            </a:r>
+            <a:r>
+              <a:rPr lang="en-US" dirty="0" smtClean="0">
+                <a:latin typeface="Meiryo UI" pitchFamily="50" charset="-128"/>
+                <a:ea typeface="Meiryo UI" pitchFamily="50" charset="-128"/>
+                <a:cs typeface="Meiryo UI" pitchFamily="50" charset="-128"/>
+                <a:sym typeface="Wingdings" panose="05000000000000000000" pitchFamily="2" charset="2"/>
+              </a:rPr>
+              <a:t>, ….</a:t>
+            </a:r>
+          </a:p>
+          <a:p>
+            <a:r>
+              <a:rPr lang="en-US" dirty="0" smtClean="0">
+                <a:latin typeface="Meiryo UI" pitchFamily="50" charset="-128"/>
+                <a:ea typeface="Meiryo UI" pitchFamily="50" charset="-128"/>
+                <a:cs typeface="Meiryo UI" pitchFamily="50" charset="-128"/>
+                <a:sym typeface="Wingdings" panose="05000000000000000000" pitchFamily="2" charset="2"/>
+              </a:rPr>
+              <a:t>3. </a:t>
+            </a:r>
+            <a:r>
+              <a:rPr lang="en-US" dirty="0" err="1" smtClean="0">
+                <a:latin typeface="Meiryo UI" pitchFamily="50" charset="-128"/>
+                <a:ea typeface="Meiryo UI" pitchFamily="50" charset="-128"/>
+                <a:cs typeface="Meiryo UI" pitchFamily="50" charset="-128"/>
+                <a:sym typeface="Wingdings" panose="05000000000000000000" pitchFamily="2" charset="2"/>
+              </a:rPr>
+              <a:t>Lý</a:t>
+            </a:r>
+            <a:r>
+              <a:rPr lang="en-US" dirty="0" smtClean="0">
+                <a:latin typeface="Meiryo UI" pitchFamily="50" charset="-128"/>
+                <a:ea typeface="Meiryo UI" pitchFamily="50" charset="-128"/>
+                <a:cs typeface="Meiryo UI" pitchFamily="50" charset="-128"/>
+                <a:sym typeface="Wingdings" panose="05000000000000000000" pitchFamily="2" charset="2"/>
+              </a:rPr>
+              <a:t> do </a:t>
+            </a:r>
+            <a:r>
+              <a:rPr lang="en-US" dirty="0" err="1" smtClean="0">
+                <a:latin typeface="Meiryo UI" pitchFamily="50" charset="-128"/>
+                <a:ea typeface="Meiryo UI" pitchFamily="50" charset="-128"/>
+                <a:cs typeface="Meiryo UI" pitchFamily="50" charset="-128"/>
+                <a:sym typeface="Wingdings" panose="05000000000000000000" pitchFamily="2" charset="2"/>
+              </a:rPr>
+              <a:t>chọn</a:t>
+            </a:r>
+            <a:r>
+              <a:rPr lang="en-US" dirty="0" smtClean="0">
+                <a:latin typeface="Meiryo UI" pitchFamily="50" charset="-128"/>
+                <a:ea typeface="Meiryo UI" pitchFamily="50" charset="-128"/>
+                <a:cs typeface="Meiryo UI" pitchFamily="50" charset="-128"/>
+                <a:sym typeface="Wingdings" panose="05000000000000000000" pitchFamily="2" charset="2"/>
+              </a:rPr>
+              <a:t> </a:t>
+            </a:r>
+            <a:r>
+              <a:rPr lang="en-US" dirty="0" err="1" smtClean="0">
+                <a:latin typeface="Meiryo UI" pitchFamily="50" charset="-128"/>
+                <a:ea typeface="Meiryo UI" pitchFamily="50" charset="-128"/>
+                <a:cs typeface="Meiryo UI" pitchFamily="50" charset="-128"/>
+                <a:sym typeface="Wingdings" panose="05000000000000000000" pitchFamily="2" charset="2"/>
+              </a:rPr>
+              <a:t>nhà</a:t>
+            </a:r>
+            <a:r>
+              <a:rPr lang="en-US" dirty="0" smtClean="0">
+                <a:latin typeface="Meiryo UI" pitchFamily="50" charset="-128"/>
+                <a:ea typeface="Meiryo UI" pitchFamily="50" charset="-128"/>
+                <a:cs typeface="Meiryo UI" pitchFamily="50" charset="-128"/>
+                <a:sym typeface="Wingdings" panose="05000000000000000000" pitchFamily="2" charset="2"/>
+              </a:rPr>
+              <a:t> </a:t>
+            </a:r>
+            <a:r>
+              <a:rPr lang="en-US" dirty="0" err="1" smtClean="0">
+                <a:latin typeface="Meiryo UI" pitchFamily="50" charset="-128"/>
+                <a:ea typeface="Meiryo UI" pitchFamily="50" charset="-128"/>
+                <a:cs typeface="Meiryo UI" pitchFamily="50" charset="-128"/>
+                <a:sym typeface="Wingdings" panose="05000000000000000000" pitchFamily="2" charset="2"/>
+              </a:rPr>
+              <a:t>thông</a:t>
+            </a:r>
+            <a:r>
+              <a:rPr lang="en-US" dirty="0" smtClean="0">
+                <a:latin typeface="Meiryo UI" pitchFamily="50" charset="-128"/>
+                <a:ea typeface="Meiryo UI" pitchFamily="50" charset="-128"/>
+                <a:cs typeface="Meiryo UI" pitchFamily="50" charset="-128"/>
+                <a:sym typeface="Wingdings" panose="05000000000000000000" pitchFamily="2" charset="2"/>
+              </a:rPr>
+              <a:t> minh </a:t>
+            </a:r>
+            <a:r>
+              <a:rPr lang="en-US" dirty="0" err="1" smtClean="0">
+                <a:latin typeface="Meiryo UI" pitchFamily="50" charset="-128"/>
+                <a:ea typeface="Meiryo UI" pitchFamily="50" charset="-128"/>
+                <a:cs typeface="Meiryo UI" pitchFamily="50" charset="-128"/>
+                <a:sym typeface="Wingdings" panose="05000000000000000000" pitchFamily="2" charset="2"/>
+              </a:rPr>
+              <a:t>và</a:t>
+            </a:r>
+            <a:r>
+              <a:rPr lang="en-US" dirty="0" smtClean="0">
+                <a:latin typeface="Meiryo UI" pitchFamily="50" charset="-128"/>
+                <a:ea typeface="Meiryo UI" pitchFamily="50" charset="-128"/>
+                <a:cs typeface="Meiryo UI" pitchFamily="50" charset="-128"/>
+                <a:sym typeface="Wingdings" panose="05000000000000000000" pitchFamily="2" charset="2"/>
+              </a:rPr>
+              <a:t> 8266.</a:t>
+            </a:r>
+          </a:p>
+          <a:p>
+            <a:r>
+              <a:rPr lang="en-US" dirty="0" smtClean="0">
+                <a:latin typeface="Meiryo UI" pitchFamily="50" charset="-128"/>
+                <a:ea typeface="Meiryo UI" pitchFamily="50" charset="-128"/>
+                <a:cs typeface="Meiryo UI" pitchFamily="50" charset="-128"/>
+                <a:sym typeface="Wingdings" panose="05000000000000000000" pitchFamily="2" charset="2"/>
+              </a:rPr>
+              <a:t>4. </a:t>
+            </a:r>
+            <a:r>
+              <a:rPr lang="en-US" dirty="0" err="1" smtClean="0">
+                <a:latin typeface="Meiryo UI" pitchFamily="50" charset="-128"/>
+                <a:ea typeface="Meiryo UI" pitchFamily="50" charset="-128"/>
+                <a:cs typeface="Meiryo UI" pitchFamily="50" charset="-128"/>
+                <a:sym typeface="Wingdings" panose="05000000000000000000" pitchFamily="2" charset="2"/>
+              </a:rPr>
+              <a:t>Đưa</a:t>
+            </a:r>
+            <a:r>
+              <a:rPr lang="en-US" dirty="0" smtClean="0">
+                <a:latin typeface="Meiryo UI" pitchFamily="50" charset="-128"/>
+                <a:ea typeface="Meiryo UI" pitchFamily="50" charset="-128"/>
+                <a:cs typeface="Meiryo UI" pitchFamily="50" charset="-128"/>
+                <a:sym typeface="Wingdings" panose="05000000000000000000" pitchFamily="2" charset="2"/>
+              </a:rPr>
+              <a:t> </a:t>
+            </a:r>
+            <a:r>
+              <a:rPr lang="en-US" dirty="0" err="1" smtClean="0">
+                <a:latin typeface="Meiryo UI" pitchFamily="50" charset="-128"/>
+                <a:ea typeface="Meiryo UI" pitchFamily="50" charset="-128"/>
+                <a:cs typeface="Meiryo UI" pitchFamily="50" charset="-128"/>
+                <a:sym typeface="Wingdings" panose="05000000000000000000" pitchFamily="2" charset="2"/>
+              </a:rPr>
+              <a:t>cấu</a:t>
+            </a:r>
+            <a:r>
+              <a:rPr lang="en-US" dirty="0" smtClean="0">
+                <a:latin typeface="Meiryo UI" pitchFamily="50" charset="-128"/>
+                <a:ea typeface="Meiryo UI" pitchFamily="50" charset="-128"/>
+                <a:cs typeface="Meiryo UI" pitchFamily="50" charset="-128"/>
+                <a:sym typeface="Wingdings" panose="05000000000000000000" pitchFamily="2" charset="2"/>
+              </a:rPr>
+              <a:t> </a:t>
+            </a:r>
+            <a:r>
+              <a:rPr lang="en-US" dirty="0" err="1" smtClean="0">
+                <a:latin typeface="Meiryo UI" pitchFamily="50" charset="-128"/>
+                <a:ea typeface="Meiryo UI" pitchFamily="50" charset="-128"/>
+                <a:cs typeface="Meiryo UI" pitchFamily="50" charset="-128"/>
+                <a:sym typeface="Wingdings" panose="05000000000000000000" pitchFamily="2" charset="2"/>
+              </a:rPr>
+              <a:t>trúc</a:t>
+            </a:r>
+            <a:r>
+              <a:rPr lang="en-US" dirty="0" smtClean="0">
+                <a:latin typeface="Meiryo UI" pitchFamily="50" charset="-128"/>
+                <a:ea typeface="Meiryo UI" pitchFamily="50" charset="-128"/>
+                <a:cs typeface="Meiryo UI" pitchFamily="50" charset="-128"/>
+                <a:sym typeface="Wingdings" panose="05000000000000000000" pitchFamily="2" charset="2"/>
+              </a:rPr>
+              <a:t> </a:t>
+            </a:r>
+            <a:r>
+              <a:rPr lang="en-US" dirty="0" err="1" smtClean="0">
+                <a:latin typeface="Meiryo UI" pitchFamily="50" charset="-128"/>
+                <a:ea typeface="Meiryo UI" pitchFamily="50" charset="-128"/>
+                <a:cs typeface="Meiryo UI" pitchFamily="50" charset="-128"/>
+                <a:sym typeface="Wingdings" panose="05000000000000000000" pitchFamily="2" charset="2"/>
+              </a:rPr>
+              <a:t>cái</a:t>
+            </a:r>
+            <a:r>
+              <a:rPr lang="en-US" dirty="0" smtClean="0">
+                <a:latin typeface="Meiryo UI" pitchFamily="50" charset="-128"/>
+                <a:ea typeface="Meiryo UI" pitchFamily="50" charset="-128"/>
+                <a:cs typeface="Meiryo UI" pitchFamily="50" charset="-128"/>
+                <a:sym typeface="Wingdings" panose="05000000000000000000" pitchFamily="2" charset="2"/>
+              </a:rPr>
+              <a:t> </a:t>
+            </a:r>
+            <a:r>
+              <a:rPr lang="en-US" dirty="0" err="1" smtClean="0">
+                <a:latin typeface="Meiryo UI" pitchFamily="50" charset="-128"/>
+                <a:ea typeface="Meiryo UI" pitchFamily="50" charset="-128"/>
+                <a:cs typeface="Meiryo UI" pitchFamily="50" charset="-128"/>
+                <a:sym typeface="Wingdings" panose="05000000000000000000" pitchFamily="2" charset="2"/>
+              </a:rPr>
+              <a:t>hình</a:t>
+            </a:r>
+            <a:r>
+              <a:rPr lang="en-US" dirty="0" smtClean="0">
+                <a:latin typeface="Meiryo UI" pitchFamily="50" charset="-128"/>
+                <a:ea typeface="Meiryo UI" pitchFamily="50" charset="-128"/>
+                <a:cs typeface="Meiryo UI" pitchFamily="50" charset="-128"/>
+                <a:sym typeface="Wingdings" panose="05000000000000000000" pitchFamily="2" charset="2"/>
+              </a:rPr>
+              <a:t> </a:t>
+            </a:r>
+            <a:r>
+              <a:rPr lang="en-US" dirty="0" err="1" smtClean="0">
+                <a:latin typeface="Meiryo UI" pitchFamily="50" charset="-128"/>
+                <a:ea typeface="Meiryo UI" pitchFamily="50" charset="-128"/>
+                <a:cs typeface="Meiryo UI" pitchFamily="50" charset="-128"/>
+                <a:sym typeface="Wingdings" panose="05000000000000000000" pitchFamily="2" charset="2"/>
+              </a:rPr>
+              <a:t>phía</a:t>
+            </a:r>
+            <a:r>
+              <a:rPr lang="en-US" dirty="0" smtClean="0">
+                <a:latin typeface="Meiryo UI" pitchFamily="50" charset="-128"/>
+                <a:ea typeface="Meiryo UI" pitchFamily="50" charset="-128"/>
+                <a:cs typeface="Meiryo UI" pitchFamily="50" charset="-128"/>
+                <a:sym typeface="Wingdings" panose="05000000000000000000" pitchFamily="2" charset="2"/>
+              </a:rPr>
+              <a:t> </a:t>
+            </a:r>
+            <a:r>
+              <a:rPr lang="en-US" dirty="0" err="1" smtClean="0">
+                <a:latin typeface="Meiryo UI" pitchFamily="50" charset="-128"/>
+                <a:ea typeface="Meiryo UI" pitchFamily="50" charset="-128"/>
+                <a:cs typeface="Meiryo UI" pitchFamily="50" charset="-128"/>
+                <a:sym typeface="Wingdings" panose="05000000000000000000" pitchFamily="2" charset="2"/>
+              </a:rPr>
+              <a:t>dưới</a:t>
+            </a:r>
+            <a:r>
+              <a:rPr lang="en-US" dirty="0" smtClean="0">
+                <a:latin typeface="Meiryo UI" pitchFamily="50" charset="-128"/>
+                <a:ea typeface="Meiryo UI" pitchFamily="50" charset="-128"/>
+                <a:cs typeface="Meiryo UI" pitchFamily="50" charset="-128"/>
+                <a:sym typeface="Wingdings" panose="05000000000000000000" pitchFamily="2" charset="2"/>
+              </a:rPr>
+              <a:t> </a:t>
+            </a:r>
+            <a:r>
+              <a:rPr lang="en-US" dirty="0" err="1" smtClean="0">
+                <a:latin typeface="Meiryo UI" pitchFamily="50" charset="-128"/>
+                <a:ea typeface="Meiryo UI" pitchFamily="50" charset="-128"/>
+                <a:cs typeface="Meiryo UI" pitchFamily="50" charset="-128"/>
+                <a:sym typeface="Wingdings" panose="05000000000000000000" pitchFamily="2" charset="2"/>
+              </a:rPr>
+              <a:t>vào</a:t>
+            </a:r>
+            <a:r>
+              <a:rPr lang="en-US" dirty="0" smtClean="0">
+                <a:latin typeface="Meiryo UI" pitchFamily="50" charset="-128"/>
+                <a:ea typeface="Meiryo UI" pitchFamily="50" charset="-128"/>
+                <a:cs typeface="Meiryo UI" pitchFamily="50" charset="-128"/>
+                <a:sym typeface="Wingdings" panose="05000000000000000000" pitchFamily="2" charset="2"/>
+              </a:rPr>
+              <a:t> (</a:t>
+            </a:r>
+            <a:r>
+              <a:rPr lang="en-US" dirty="0" err="1" smtClean="0">
+                <a:latin typeface="Meiryo UI" pitchFamily="50" charset="-128"/>
+                <a:ea typeface="Meiryo UI" pitchFamily="50" charset="-128"/>
+                <a:cs typeface="Meiryo UI" pitchFamily="50" charset="-128"/>
+                <a:sym typeface="Wingdings" panose="05000000000000000000" pitchFamily="2" charset="2"/>
+              </a:rPr>
+              <a:t>cấu</a:t>
+            </a:r>
+            <a:r>
+              <a:rPr lang="en-US" dirty="0" smtClean="0">
+                <a:latin typeface="Meiryo UI" pitchFamily="50" charset="-128"/>
+                <a:ea typeface="Meiryo UI" pitchFamily="50" charset="-128"/>
+                <a:cs typeface="Meiryo UI" pitchFamily="50" charset="-128"/>
+                <a:sym typeface="Wingdings" panose="05000000000000000000" pitchFamily="2" charset="2"/>
+              </a:rPr>
+              <a:t> </a:t>
+            </a:r>
+            <a:r>
+              <a:rPr lang="en-US" dirty="0" err="1" smtClean="0">
+                <a:latin typeface="Meiryo UI" pitchFamily="50" charset="-128"/>
+                <a:ea typeface="Meiryo UI" pitchFamily="50" charset="-128"/>
+                <a:cs typeface="Meiryo UI" pitchFamily="50" charset="-128"/>
+                <a:sym typeface="Wingdings" panose="05000000000000000000" pitchFamily="2" charset="2"/>
+              </a:rPr>
+              <a:t>trúc</a:t>
+            </a:r>
+            <a:r>
+              <a:rPr lang="en-US" dirty="0" smtClean="0">
+                <a:latin typeface="Meiryo UI" pitchFamily="50" charset="-128"/>
+                <a:ea typeface="Meiryo UI" pitchFamily="50" charset="-128"/>
+                <a:cs typeface="Meiryo UI" pitchFamily="50" charset="-128"/>
+                <a:sym typeface="Wingdings" panose="05000000000000000000" pitchFamily="2" charset="2"/>
+              </a:rPr>
+              <a:t> </a:t>
+            </a:r>
+            <a:r>
+              <a:rPr lang="en-US" dirty="0" err="1" smtClean="0">
+                <a:latin typeface="Meiryo UI" pitchFamily="50" charset="-128"/>
+                <a:ea typeface="Meiryo UI" pitchFamily="50" charset="-128"/>
+                <a:cs typeface="Meiryo UI" pitchFamily="50" charset="-128"/>
+                <a:sym typeface="Wingdings" panose="05000000000000000000" pitchFamily="2" charset="2"/>
+              </a:rPr>
+              <a:t>tổng</a:t>
+            </a:r>
+            <a:r>
+              <a:rPr lang="en-US" dirty="0" smtClean="0">
+                <a:latin typeface="Meiryo UI" pitchFamily="50" charset="-128"/>
+                <a:ea typeface="Meiryo UI" pitchFamily="50" charset="-128"/>
+                <a:cs typeface="Meiryo UI" pitchFamily="50" charset="-128"/>
+                <a:sym typeface="Wingdings" panose="05000000000000000000" pitchFamily="2" charset="2"/>
+              </a:rPr>
+              <a:t> </a:t>
+            </a:r>
+            <a:r>
+              <a:rPr lang="en-US" dirty="0" err="1" smtClean="0">
+                <a:latin typeface="Meiryo UI" pitchFamily="50" charset="-128"/>
+                <a:ea typeface="Meiryo UI" pitchFamily="50" charset="-128"/>
+                <a:cs typeface="Meiryo UI" pitchFamily="50" charset="-128"/>
+                <a:sym typeface="Wingdings" panose="05000000000000000000" pitchFamily="2" charset="2"/>
+              </a:rPr>
+              <a:t>thể</a:t>
+            </a:r>
+            <a:r>
+              <a:rPr lang="en-US" dirty="0" smtClean="0">
+                <a:latin typeface="Meiryo UI" pitchFamily="50" charset="-128"/>
+                <a:ea typeface="Meiryo UI" pitchFamily="50" charset="-128"/>
+                <a:cs typeface="Meiryo UI" pitchFamily="50" charset="-128"/>
+                <a:sym typeface="Wingdings" panose="05000000000000000000" pitchFamily="2" charset="2"/>
+              </a:rPr>
+              <a:t>)</a:t>
+            </a:r>
+          </a:p>
+          <a:p>
+            <a:r>
+              <a:rPr lang="en-US" dirty="0" err="1" smtClean="0">
+                <a:latin typeface="Meiryo UI" pitchFamily="50" charset="-128"/>
+                <a:ea typeface="Meiryo UI" pitchFamily="50" charset="-128"/>
+                <a:cs typeface="Meiryo UI" pitchFamily="50" charset="-128"/>
+                <a:sym typeface="Wingdings" panose="05000000000000000000" pitchFamily="2" charset="2"/>
+              </a:rPr>
+              <a:t>Cố</a:t>
+            </a:r>
+            <a:r>
+              <a:rPr lang="en-US" dirty="0" smtClean="0">
+                <a:latin typeface="Meiryo UI" pitchFamily="50" charset="-128"/>
+                <a:ea typeface="Meiryo UI" pitchFamily="50" charset="-128"/>
+                <a:cs typeface="Meiryo UI" pitchFamily="50" charset="-128"/>
+                <a:sym typeface="Wingdings" panose="05000000000000000000" pitchFamily="2" charset="2"/>
+              </a:rPr>
+              <a:t> </a:t>
+            </a:r>
+            <a:r>
+              <a:rPr lang="en-US" dirty="0" err="1" smtClean="0">
+                <a:latin typeface="Meiryo UI" pitchFamily="50" charset="-128"/>
+                <a:ea typeface="Meiryo UI" pitchFamily="50" charset="-128"/>
+                <a:cs typeface="Meiryo UI" pitchFamily="50" charset="-128"/>
+                <a:sym typeface="Wingdings" panose="05000000000000000000" pitchFamily="2" charset="2"/>
+              </a:rPr>
+              <a:t>gắng</a:t>
+            </a:r>
+            <a:r>
+              <a:rPr lang="en-US" dirty="0" smtClean="0">
+                <a:latin typeface="Meiryo UI" pitchFamily="50" charset="-128"/>
+                <a:ea typeface="Meiryo UI" pitchFamily="50" charset="-128"/>
+                <a:cs typeface="Meiryo UI" pitchFamily="50" charset="-128"/>
+                <a:sym typeface="Wingdings" panose="05000000000000000000" pitchFamily="2" charset="2"/>
+              </a:rPr>
+              <a:t> </a:t>
+            </a:r>
+            <a:r>
+              <a:rPr lang="en-US" dirty="0" err="1" smtClean="0">
+                <a:latin typeface="Meiryo UI" pitchFamily="50" charset="-128"/>
+                <a:ea typeface="Meiryo UI" pitchFamily="50" charset="-128"/>
+                <a:cs typeface="Meiryo UI" pitchFamily="50" charset="-128"/>
+                <a:sym typeface="Wingdings" panose="05000000000000000000" pitchFamily="2" charset="2"/>
+              </a:rPr>
+              <a:t>vẽ</a:t>
+            </a:r>
+            <a:r>
+              <a:rPr lang="en-US" dirty="0" smtClean="0">
+                <a:latin typeface="Meiryo UI" pitchFamily="50" charset="-128"/>
+                <a:ea typeface="Meiryo UI" pitchFamily="50" charset="-128"/>
+                <a:cs typeface="Meiryo UI" pitchFamily="50" charset="-128"/>
+                <a:sym typeface="Wingdings" panose="05000000000000000000" pitchFamily="2" charset="2"/>
+              </a:rPr>
+              <a:t> </a:t>
+            </a:r>
+            <a:r>
+              <a:rPr lang="en-US" dirty="0" err="1" smtClean="0">
+                <a:latin typeface="Meiryo UI" pitchFamily="50" charset="-128"/>
+                <a:ea typeface="Meiryo UI" pitchFamily="50" charset="-128"/>
+                <a:cs typeface="Meiryo UI" pitchFamily="50" charset="-128"/>
+                <a:sym typeface="Wingdings" panose="05000000000000000000" pitchFamily="2" charset="2"/>
+              </a:rPr>
+              <a:t>đường</a:t>
+            </a:r>
+            <a:r>
+              <a:rPr lang="en-US" dirty="0" smtClean="0">
+                <a:latin typeface="Meiryo UI" pitchFamily="50" charset="-128"/>
+                <a:ea typeface="Meiryo UI" pitchFamily="50" charset="-128"/>
+                <a:cs typeface="Meiryo UI" pitchFamily="50" charset="-128"/>
+                <a:sym typeface="Wingdings" panose="05000000000000000000" pitchFamily="2" charset="2"/>
+              </a:rPr>
+              <a:t> </a:t>
+            </a:r>
+            <a:r>
+              <a:rPr lang="en-US" dirty="0" err="1" smtClean="0">
+                <a:latin typeface="Meiryo UI" pitchFamily="50" charset="-128"/>
+                <a:ea typeface="Meiryo UI" pitchFamily="50" charset="-128"/>
+                <a:cs typeface="Meiryo UI" pitchFamily="50" charset="-128"/>
+                <a:sym typeface="Wingdings" panose="05000000000000000000" pitchFamily="2" charset="2"/>
+              </a:rPr>
+              <a:t>truyền</a:t>
+            </a:r>
+            <a:r>
+              <a:rPr lang="en-US" dirty="0" smtClean="0">
+                <a:latin typeface="Meiryo UI" pitchFamily="50" charset="-128"/>
+                <a:ea typeface="Meiryo UI" pitchFamily="50" charset="-128"/>
+                <a:cs typeface="Meiryo UI" pitchFamily="50" charset="-128"/>
+                <a:sym typeface="Wingdings" panose="05000000000000000000" pitchFamily="2" charset="2"/>
+              </a:rPr>
+              <a:t> data </a:t>
+            </a:r>
+            <a:r>
+              <a:rPr lang="en-US" dirty="0" err="1" smtClean="0">
+                <a:latin typeface="Meiryo UI" pitchFamily="50" charset="-128"/>
+                <a:ea typeface="Meiryo UI" pitchFamily="50" charset="-128"/>
+                <a:cs typeface="Meiryo UI" pitchFamily="50" charset="-128"/>
+                <a:sym typeface="Wingdings" panose="05000000000000000000" pitchFamily="2" charset="2"/>
+              </a:rPr>
+              <a:t>từ</a:t>
+            </a:r>
+            <a:r>
+              <a:rPr lang="en-US" dirty="0" smtClean="0">
+                <a:latin typeface="Meiryo UI" pitchFamily="50" charset="-128"/>
+                <a:ea typeface="Meiryo UI" pitchFamily="50" charset="-128"/>
+                <a:cs typeface="Meiryo UI" pitchFamily="50" charset="-128"/>
+                <a:sym typeface="Wingdings" panose="05000000000000000000" pitchFamily="2" charset="2"/>
+              </a:rPr>
+              <a:t> </a:t>
+            </a:r>
+            <a:r>
+              <a:rPr lang="en-US" dirty="0" err="1" smtClean="0">
+                <a:latin typeface="Meiryo UI" pitchFamily="50" charset="-128"/>
+                <a:ea typeface="Meiryo UI" pitchFamily="50" charset="-128"/>
+                <a:cs typeface="Meiryo UI" pitchFamily="50" charset="-128"/>
+                <a:sym typeface="Wingdings" panose="05000000000000000000" pitchFamily="2" charset="2"/>
+              </a:rPr>
+              <a:t>nhà</a:t>
+            </a:r>
+            <a:r>
+              <a:rPr lang="en-US" dirty="0" smtClean="0">
+                <a:latin typeface="Meiryo UI" pitchFamily="50" charset="-128"/>
+                <a:ea typeface="Meiryo UI" pitchFamily="50" charset="-128"/>
+                <a:cs typeface="Meiryo UI" pitchFamily="50" charset="-128"/>
+                <a:sym typeface="Wingdings" panose="05000000000000000000" pitchFamily="2" charset="2"/>
+              </a:rPr>
+              <a:t> </a:t>
+            </a:r>
+            <a:r>
+              <a:rPr lang="en-US" dirty="0" err="1" smtClean="0">
+                <a:latin typeface="Meiryo UI" pitchFamily="50" charset="-128"/>
+                <a:ea typeface="Meiryo UI" pitchFamily="50" charset="-128"/>
+                <a:cs typeface="Meiryo UI" pitchFamily="50" charset="-128"/>
+                <a:sym typeface="Wingdings" panose="05000000000000000000" pitchFamily="2" charset="2"/>
+              </a:rPr>
+              <a:t>về</a:t>
+            </a:r>
+            <a:r>
+              <a:rPr lang="en-US" dirty="0" smtClean="0">
+                <a:latin typeface="Meiryo UI" pitchFamily="50" charset="-128"/>
+                <a:ea typeface="Meiryo UI" pitchFamily="50" charset="-128"/>
+                <a:cs typeface="Meiryo UI" pitchFamily="50" charset="-128"/>
+                <a:sym typeface="Wingdings" panose="05000000000000000000" pitchFamily="2" charset="2"/>
+              </a:rPr>
+              <a:t> </a:t>
+            </a:r>
+            <a:r>
+              <a:rPr lang="en-US" dirty="0" err="1" smtClean="0">
+                <a:latin typeface="Meiryo UI" pitchFamily="50" charset="-128"/>
+                <a:ea typeface="Meiryo UI" pitchFamily="50" charset="-128"/>
+                <a:cs typeface="Meiryo UI" pitchFamily="50" charset="-128"/>
+                <a:sym typeface="Wingdings" panose="05000000000000000000" pitchFamily="2" charset="2"/>
+              </a:rPr>
+              <a:t>dt</a:t>
+            </a:r>
+            <a:r>
+              <a:rPr lang="en-US" dirty="0" smtClean="0">
+                <a:latin typeface="Meiryo UI" pitchFamily="50" charset="-128"/>
+                <a:ea typeface="Meiryo UI" pitchFamily="50" charset="-128"/>
+                <a:cs typeface="Meiryo UI" pitchFamily="50" charset="-128"/>
+                <a:sym typeface="Wingdings" panose="05000000000000000000" pitchFamily="2" charset="2"/>
+              </a:rPr>
+              <a:t> </a:t>
+            </a:r>
+            <a:r>
+              <a:rPr lang="en-US" dirty="0" err="1" smtClean="0">
+                <a:latin typeface="Meiryo UI" pitchFamily="50" charset="-128"/>
+                <a:ea typeface="Meiryo UI" pitchFamily="50" charset="-128"/>
+                <a:cs typeface="Meiryo UI" pitchFamily="50" charset="-128"/>
+                <a:sym typeface="Wingdings" panose="05000000000000000000" pitchFamily="2" charset="2"/>
+              </a:rPr>
+              <a:t>và</a:t>
+            </a:r>
+            <a:r>
+              <a:rPr lang="en-US" dirty="0" smtClean="0">
+                <a:latin typeface="Meiryo UI" pitchFamily="50" charset="-128"/>
+                <a:ea typeface="Meiryo UI" pitchFamily="50" charset="-128"/>
+                <a:cs typeface="Meiryo UI" pitchFamily="50" charset="-128"/>
+                <a:sym typeface="Wingdings" panose="05000000000000000000" pitchFamily="2" charset="2"/>
+              </a:rPr>
+              <a:t> </a:t>
+            </a:r>
+            <a:r>
+              <a:rPr lang="en-US" dirty="0" err="1" smtClean="0">
+                <a:latin typeface="Meiryo UI" pitchFamily="50" charset="-128"/>
+                <a:ea typeface="Meiryo UI" pitchFamily="50" charset="-128"/>
+                <a:cs typeface="Meiryo UI" pitchFamily="50" charset="-128"/>
+                <a:sym typeface="Wingdings" panose="05000000000000000000" pitchFamily="2" charset="2"/>
+              </a:rPr>
+              <a:t>ngược</a:t>
+            </a:r>
+            <a:r>
+              <a:rPr lang="en-US" dirty="0" smtClean="0">
+                <a:latin typeface="Meiryo UI" pitchFamily="50" charset="-128"/>
+                <a:ea typeface="Meiryo UI" pitchFamily="50" charset="-128"/>
+                <a:cs typeface="Meiryo UI" pitchFamily="50" charset="-128"/>
+                <a:sym typeface="Wingdings" panose="05000000000000000000" pitchFamily="2" charset="2"/>
+              </a:rPr>
+              <a:t> </a:t>
+            </a:r>
+            <a:r>
+              <a:rPr lang="en-US" dirty="0" err="1" smtClean="0">
+                <a:latin typeface="Meiryo UI" pitchFamily="50" charset="-128"/>
+                <a:ea typeface="Meiryo UI" pitchFamily="50" charset="-128"/>
+                <a:cs typeface="Meiryo UI" pitchFamily="50" charset="-128"/>
+                <a:sym typeface="Wingdings" panose="05000000000000000000" pitchFamily="2" charset="2"/>
+              </a:rPr>
+              <a:t>lại</a:t>
+            </a:r>
+            <a:r>
+              <a:rPr lang="en-US" dirty="0" smtClean="0">
+                <a:latin typeface="Meiryo UI" pitchFamily="50" charset="-128"/>
+                <a:ea typeface="Meiryo UI" pitchFamily="50" charset="-128"/>
+                <a:cs typeface="Meiryo UI" pitchFamily="50" charset="-128"/>
+                <a:sym typeface="Wingdings" panose="05000000000000000000" pitchFamily="2" charset="2"/>
+              </a:rPr>
+              <a:t>. </a:t>
+            </a:r>
+            <a:r>
+              <a:rPr lang="en-US" dirty="0" err="1" smtClean="0">
+                <a:latin typeface="Meiryo UI" pitchFamily="50" charset="-128"/>
+                <a:ea typeface="Meiryo UI" pitchFamily="50" charset="-128"/>
+                <a:cs typeface="Meiryo UI" pitchFamily="50" charset="-128"/>
+                <a:sym typeface="Wingdings" panose="05000000000000000000" pitchFamily="2" charset="2"/>
+              </a:rPr>
+              <a:t>Thông</a:t>
+            </a:r>
+            <a:r>
+              <a:rPr lang="en-US" dirty="0" smtClean="0">
+                <a:latin typeface="Meiryo UI" pitchFamily="50" charset="-128"/>
+                <a:ea typeface="Meiryo UI" pitchFamily="50" charset="-128"/>
+                <a:cs typeface="Meiryo UI" pitchFamily="50" charset="-128"/>
+                <a:sym typeface="Wingdings" panose="05000000000000000000" pitchFamily="2" charset="2"/>
+              </a:rPr>
+              <a:t> qua database.</a:t>
+            </a:r>
+          </a:p>
+          <a:p>
+            <a:r>
+              <a:rPr lang="en-US" dirty="0" smtClean="0">
+                <a:latin typeface="Meiryo UI" pitchFamily="50" charset="-128"/>
+                <a:ea typeface="Meiryo UI" pitchFamily="50" charset="-128"/>
+                <a:cs typeface="Meiryo UI" pitchFamily="50" charset="-128"/>
+                <a:sym typeface="Wingdings" panose="05000000000000000000" pitchFamily="2" charset="2"/>
+              </a:rPr>
+              <a:t>5. Note </a:t>
+            </a:r>
+            <a:r>
+              <a:rPr lang="en-US" dirty="0" err="1" smtClean="0">
+                <a:latin typeface="Meiryo UI" pitchFamily="50" charset="-128"/>
+                <a:ea typeface="Meiryo UI" pitchFamily="50" charset="-128"/>
+                <a:cs typeface="Meiryo UI" pitchFamily="50" charset="-128"/>
+                <a:sym typeface="Wingdings" panose="05000000000000000000" pitchFamily="2" charset="2"/>
+              </a:rPr>
+              <a:t>thêm</a:t>
+            </a:r>
+            <a:r>
+              <a:rPr lang="en-US" dirty="0" smtClean="0">
+                <a:latin typeface="Meiryo UI" pitchFamily="50" charset="-128"/>
+                <a:ea typeface="Meiryo UI" pitchFamily="50" charset="-128"/>
+                <a:cs typeface="Meiryo UI" pitchFamily="50" charset="-128"/>
+                <a:sym typeface="Wingdings" panose="05000000000000000000" pitchFamily="2" charset="2"/>
+              </a:rPr>
+              <a:t>: pass </a:t>
+            </a:r>
+            <a:r>
+              <a:rPr lang="en-US" dirty="0" err="1" smtClean="0">
+                <a:latin typeface="Meiryo UI" pitchFamily="50" charset="-128"/>
+                <a:ea typeface="Meiryo UI" pitchFamily="50" charset="-128"/>
+                <a:cs typeface="Meiryo UI" pitchFamily="50" charset="-128"/>
+                <a:sym typeface="Wingdings" panose="05000000000000000000" pitchFamily="2" charset="2"/>
+              </a:rPr>
+              <a:t>có</a:t>
+            </a:r>
+            <a:r>
+              <a:rPr lang="en-US" dirty="0" smtClean="0">
+                <a:latin typeface="Meiryo UI" pitchFamily="50" charset="-128"/>
+                <a:ea typeface="Meiryo UI" pitchFamily="50" charset="-128"/>
+                <a:cs typeface="Meiryo UI" pitchFamily="50" charset="-128"/>
+                <a:sym typeface="Wingdings" panose="05000000000000000000" pitchFamily="2" charset="2"/>
+              </a:rPr>
+              <a:t> </a:t>
+            </a:r>
+            <a:r>
+              <a:rPr lang="en-US" dirty="0" err="1" smtClean="0">
+                <a:latin typeface="Meiryo UI" pitchFamily="50" charset="-128"/>
+                <a:ea typeface="Meiryo UI" pitchFamily="50" charset="-128"/>
+                <a:cs typeface="Meiryo UI" pitchFamily="50" charset="-128"/>
+                <a:sym typeface="Wingdings" panose="05000000000000000000" pitchFamily="2" charset="2"/>
+              </a:rPr>
+              <a:t>thể</a:t>
+            </a:r>
+            <a:r>
+              <a:rPr lang="en-US" dirty="0" smtClean="0">
+                <a:latin typeface="Meiryo UI" pitchFamily="50" charset="-128"/>
+                <a:ea typeface="Meiryo UI" pitchFamily="50" charset="-128"/>
+                <a:cs typeface="Meiryo UI" pitchFamily="50" charset="-128"/>
+                <a:sym typeface="Wingdings" panose="05000000000000000000" pitchFamily="2" charset="2"/>
+              </a:rPr>
+              <a:t> </a:t>
+            </a:r>
+            <a:r>
+              <a:rPr lang="en-US" dirty="0" err="1" smtClean="0">
+                <a:latin typeface="Meiryo UI" pitchFamily="50" charset="-128"/>
+                <a:ea typeface="Meiryo UI" pitchFamily="50" charset="-128"/>
+                <a:cs typeface="Meiryo UI" pitchFamily="50" charset="-128"/>
+                <a:sym typeface="Wingdings" panose="05000000000000000000" pitchFamily="2" charset="2"/>
+              </a:rPr>
+              <a:t>đổi</a:t>
+            </a:r>
+            <a:r>
+              <a:rPr lang="en-US" dirty="0" smtClean="0">
+                <a:latin typeface="Meiryo UI" pitchFamily="50" charset="-128"/>
+                <a:ea typeface="Meiryo UI" pitchFamily="50" charset="-128"/>
+                <a:cs typeface="Meiryo UI" pitchFamily="50" charset="-128"/>
+                <a:sym typeface="Wingdings" panose="05000000000000000000" pitchFamily="2" charset="2"/>
+              </a:rPr>
+              <a:t>. </a:t>
+            </a:r>
+            <a:r>
+              <a:rPr lang="en-US" dirty="0" err="1" smtClean="0">
+                <a:latin typeface="Meiryo UI" pitchFamily="50" charset="-128"/>
+                <a:ea typeface="Meiryo UI" pitchFamily="50" charset="-128"/>
+                <a:cs typeface="Meiryo UI" pitchFamily="50" charset="-128"/>
+                <a:sym typeface="Wingdings" panose="05000000000000000000" pitchFamily="2" charset="2"/>
+              </a:rPr>
+              <a:t>Vị</a:t>
+            </a:r>
+            <a:r>
+              <a:rPr lang="en-US" dirty="0" smtClean="0">
+                <a:latin typeface="Meiryo UI" pitchFamily="50" charset="-128"/>
+                <a:ea typeface="Meiryo UI" pitchFamily="50" charset="-128"/>
+                <a:cs typeface="Meiryo UI" pitchFamily="50" charset="-128"/>
+                <a:sym typeface="Wingdings" panose="05000000000000000000" pitchFamily="2" charset="2"/>
+              </a:rPr>
+              <a:t> </a:t>
+            </a:r>
+            <a:r>
+              <a:rPr lang="en-US" dirty="0" err="1" smtClean="0">
+                <a:latin typeface="Meiryo UI" pitchFamily="50" charset="-128"/>
+                <a:ea typeface="Meiryo UI" pitchFamily="50" charset="-128"/>
+                <a:cs typeface="Meiryo UI" pitchFamily="50" charset="-128"/>
+                <a:sym typeface="Wingdings" panose="05000000000000000000" pitchFamily="2" charset="2"/>
+              </a:rPr>
+              <a:t>nó</a:t>
+            </a:r>
+            <a:r>
+              <a:rPr lang="en-US" dirty="0" smtClean="0">
+                <a:latin typeface="Meiryo UI" pitchFamily="50" charset="-128"/>
+                <a:ea typeface="Meiryo UI" pitchFamily="50" charset="-128"/>
+                <a:cs typeface="Meiryo UI" pitchFamily="50" charset="-128"/>
+                <a:sym typeface="Wingdings" panose="05000000000000000000" pitchFamily="2" charset="2"/>
+              </a:rPr>
+              <a:t> </a:t>
+            </a:r>
+            <a:r>
+              <a:rPr lang="en-US" dirty="0" err="1" smtClean="0">
+                <a:latin typeface="Meiryo UI" pitchFamily="50" charset="-128"/>
+                <a:ea typeface="Meiryo UI" pitchFamily="50" charset="-128"/>
+                <a:cs typeface="Meiryo UI" pitchFamily="50" charset="-128"/>
+                <a:sym typeface="Wingdings" panose="05000000000000000000" pitchFamily="2" charset="2"/>
+              </a:rPr>
+              <a:t>nằm</a:t>
+            </a:r>
+            <a:r>
+              <a:rPr lang="en-US" dirty="0" smtClean="0">
+                <a:latin typeface="Meiryo UI" pitchFamily="50" charset="-128"/>
+                <a:ea typeface="Meiryo UI" pitchFamily="50" charset="-128"/>
+                <a:cs typeface="Meiryo UI" pitchFamily="50" charset="-128"/>
+                <a:sym typeface="Wingdings" panose="05000000000000000000" pitchFamily="2" charset="2"/>
+              </a:rPr>
+              <a:t> </a:t>
+            </a:r>
+            <a:r>
+              <a:rPr lang="en-US" dirty="0" err="1" smtClean="0">
+                <a:latin typeface="Meiryo UI" pitchFamily="50" charset="-128"/>
+                <a:ea typeface="Meiryo UI" pitchFamily="50" charset="-128"/>
+                <a:cs typeface="Meiryo UI" pitchFamily="50" charset="-128"/>
+                <a:sym typeface="Wingdings" panose="05000000000000000000" pitchFamily="2" charset="2"/>
+              </a:rPr>
+              <a:t>trên</a:t>
+            </a:r>
+            <a:r>
+              <a:rPr lang="en-US" dirty="0" smtClean="0">
+                <a:latin typeface="Meiryo UI" pitchFamily="50" charset="-128"/>
+                <a:ea typeface="Meiryo UI" pitchFamily="50" charset="-128"/>
+                <a:cs typeface="Meiryo UI" pitchFamily="50" charset="-128"/>
+                <a:sym typeface="Wingdings" panose="05000000000000000000" pitchFamily="2" charset="2"/>
+              </a:rPr>
+              <a:t> database. </a:t>
+            </a:r>
+            <a:r>
+              <a:rPr lang="en-US" dirty="0" err="1" smtClean="0">
+                <a:latin typeface="Meiryo UI" pitchFamily="50" charset="-128"/>
+                <a:ea typeface="Meiryo UI" pitchFamily="50" charset="-128"/>
+                <a:cs typeface="Meiryo UI" pitchFamily="50" charset="-128"/>
+                <a:sym typeface="Wingdings" panose="05000000000000000000" pitchFamily="2" charset="2"/>
+              </a:rPr>
+              <a:t>Có</a:t>
+            </a:r>
+            <a:r>
+              <a:rPr lang="en-US" dirty="0" smtClean="0">
+                <a:latin typeface="Meiryo UI" pitchFamily="50" charset="-128"/>
+                <a:ea typeface="Meiryo UI" pitchFamily="50" charset="-128"/>
+                <a:cs typeface="Meiryo UI" pitchFamily="50" charset="-128"/>
+                <a:sym typeface="Wingdings" panose="05000000000000000000" pitchFamily="2" charset="2"/>
+              </a:rPr>
+              <a:t> </a:t>
+            </a:r>
+            <a:r>
+              <a:rPr lang="en-US" dirty="0" err="1" smtClean="0">
+                <a:latin typeface="Meiryo UI" pitchFamily="50" charset="-128"/>
+                <a:ea typeface="Meiryo UI" pitchFamily="50" charset="-128"/>
+                <a:cs typeface="Meiryo UI" pitchFamily="50" charset="-128"/>
+                <a:sym typeface="Wingdings" panose="05000000000000000000" pitchFamily="2" charset="2"/>
+              </a:rPr>
+              <a:t>thể</a:t>
+            </a:r>
+            <a:r>
+              <a:rPr lang="en-US" dirty="0" smtClean="0">
+                <a:latin typeface="Meiryo UI" pitchFamily="50" charset="-128"/>
+                <a:ea typeface="Meiryo UI" pitchFamily="50" charset="-128"/>
+                <a:cs typeface="Meiryo UI" pitchFamily="50" charset="-128"/>
+                <a:sym typeface="Wingdings" panose="05000000000000000000" pitchFamily="2" charset="2"/>
+              </a:rPr>
+              <a:t> </a:t>
+            </a:r>
+            <a:r>
+              <a:rPr lang="en-US" dirty="0" err="1" smtClean="0">
+                <a:latin typeface="Meiryo UI" pitchFamily="50" charset="-128"/>
+                <a:ea typeface="Meiryo UI" pitchFamily="50" charset="-128"/>
+                <a:cs typeface="Meiryo UI" pitchFamily="50" charset="-128"/>
+                <a:sym typeface="Wingdings" panose="05000000000000000000" pitchFamily="2" charset="2"/>
+              </a:rPr>
+              <a:t>tạo</a:t>
+            </a:r>
+            <a:r>
+              <a:rPr lang="en-US" dirty="0" smtClean="0">
+                <a:latin typeface="Meiryo UI" pitchFamily="50" charset="-128"/>
+                <a:ea typeface="Meiryo UI" pitchFamily="50" charset="-128"/>
+                <a:cs typeface="Meiryo UI" pitchFamily="50" charset="-128"/>
+                <a:sym typeface="Wingdings" panose="05000000000000000000" pitchFamily="2" charset="2"/>
+              </a:rPr>
+              <a:t> them pass </a:t>
+            </a:r>
+            <a:r>
+              <a:rPr lang="en-US" dirty="0" err="1" smtClean="0">
+                <a:latin typeface="Meiryo UI" pitchFamily="50" charset="-128"/>
+                <a:ea typeface="Meiryo UI" pitchFamily="50" charset="-128"/>
+                <a:cs typeface="Meiryo UI" pitchFamily="50" charset="-128"/>
+                <a:sym typeface="Wingdings" panose="05000000000000000000" pitchFamily="2" charset="2"/>
+              </a:rPr>
+              <a:t>và</a:t>
+            </a:r>
+            <a:r>
+              <a:rPr lang="en-US" dirty="0" smtClean="0">
+                <a:latin typeface="Meiryo UI" pitchFamily="50" charset="-128"/>
+                <a:ea typeface="Meiryo UI" pitchFamily="50" charset="-128"/>
+                <a:cs typeface="Meiryo UI" pitchFamily="50" charset="-128"/>
+                <a:sym typeface="Wingdings" panose="05000000000000000000" pitchFamily="2" charset="2"/>
+              </a:rPr>
+              <a:t> user (register user and pass)</a:t>
+            </a:r>
+          </a:p>
+          <a:p>
+            <a:endParaRPr lang="en-US" dirty="0">
+              <a:latin typeface="Meiryo UI" pitchFamily="50" charset="-128"/>
+              <a:ea typeface="Meiryo UI" pitchFamily="50" charset="-128"/>
+              <a:cs typeface="Meiryo UI" pitchFamily="50" charset="-128"/>
+              <a:sym typeface="Wingdings" panose="05000000000000000000" pitchFamily="2" charset="2"/>
+            </a:endParaRPr>
+          </a:p>
+          <a:p>
+            <a:r>
+              <a:rPr lang="en-US" dirty="0" smtClean="0">
+                <a:latin typeface="Meiryo UI" pitchFamily="50" charset="-128"/>
+                <a:ea typeface="Meiryo UI" pitchFamily="50" charset="-128"/>
+                <a:cs typeface="Meiryo UI" pitchFamily="50" charset="-128"/>
+                <a:sym typeface="Wingdings" panose="05000000000000000000" pitchFamily="2" charset="2"/>
+              </a:rPr>
+              <a:t>6 .7. 8 </a:t>
+            </a:r>
+            <a:r>
+              <a:rPr lang="en-US" dirty="0" err="1" smtClean="0">
+                <a:latin typeface="Meiryo UI" pitchFamily="50" charset="-128"/>
+                <a:ea typeface="Meiryo UI" pitchFamily="50" charset="-128"/>
+                <a:cs typeface="Meiryo UI" pitchFamily="50" charset="-128"/>
+                <a:sym typeface="Wingdings" panose="05000000000000000000" pitchFamily="2" charset="2"/>
+              </a:rPr>
+              <a:t>em</a:t>
+            </a:r>
+            <a:r>
+              <a:rPr lang="en-US" dirty="0" smtClean="0">
+                <a:latin typeface="Meiryo UI" pitchFamily="50" charset="-128"/>
+                <a:ea typeface="Meiryo UI" pitchFamily="50" charset="-128"/>
+                <a:cs typeface="Meiryo UI" pitchFamily="50" charset="-128"/>
+                <a:sym typeface="Wingdings" panose="05000000000000000000" pitchFamily="2" charset="2"/>
+              </a:rPr>
+              <a:t> </a:t>
+            </a:r>
+            <a:r>
+              <a:rPr lang="en-US" dirty="0" err="1" smtClean="0">
+                <a:latin typeface="Meiryo UI" pitchFamily="50" charset="-128"/>
+                <a:ea typeface="Meiryo UI" pitchFamily="50" charset="-128"/>
+                <a:cs typeface="Meiryo UI" pitchFamily="50" charset="-128"/>
+                <a:sym typeface="Wingdings" panose="05000000000000000000" pitchFamily="2" charset="2"/>
+              </a:rPr>
+              <a:t>cứ</a:t>
+            </a:r>
+            <a:r>
+              <a:rPr lang="en-US" dirty="0" smtClean="0">
+                <a:latin typeface="Meiryo UI" pitchFamily="50" charset="-128"/>
+                <a:ea typeface="Meiryo UI" pitchFamily="50" charset="-128"/>
+                <a:cs typeface="Meiryo UI" pitchFamily="50" charset="-128"/>
+                <a:sym typeface="Wingdings" panose="05000000000000000000" pitchFamily="2" charset="2"/>
+              </a:rPr>
+              <a:t> </a:t>
+            </a:r>
+            <a:r>
+              <a:rPr lang="en-US" dirty="0" err="1" smtClean="0">
+                <a:latin typeface="Meiryo UI" pitchFamily="50" charset="-128"/>
+                <a:ea typeface="Meiryo UI" pitchFamily="50" charset="-128"/>
+                <a:cs typeface="Meiryo UI" pitchFamily="50" charset="-128"/>
+                <a:sym typeface="Wingdings" panose="05000000000000000000" pitchFamily="2" charset="2"/>
+              </a:rPr>
+              <a:t>làm</a:t>
+            </a:r>
+            <a:r>
+              <a:rPr lang="en-US" dirty="0" smtClean="0">
+                <a:latin typeface="Meiryo UI" pitchFamily="50" charset="-128"/>
+                <a:ea typeface="Meiryo UI" pitchFamily="50" charset="-128"/>
+                <a:cs typeface="Meiryo UI" pitchFamily="50" charset="-128"/>
+                <a:sym typeface="Wingdings" panose="05000000000000000000" pitchFamily="2" charset="2"/>
+              </a:rPr>
+              <a:t> them </a:t>
+            </a:r>
+            <a:r>
+              <a:rPr lang="en-US" dirty="0" err="1" smtClean="0">
+                <a:latin typeface="Meiryo UI" pitchFamily="50" charset="-128"/>
+                <a:ea typeface="Meiryo UI" pitchFamily="50" charset="-128"/>
+                <a:cs typeface="Meiryo UI" pitchFamily="50" charset="-128"/>
+                <a:sym typeface="Wingdings" panose="05000000000000000000" pitchFamily="2" charset="2"/>
+              </a:rPr>
+              <a:t>vào</a:t>
+            </a:r>
+            <a:r>
+              <a:rPr lang="en-US" dirty="0" smtClean="0">
+                <a:latin typeface="Meiryo UI" pitchFamily="50" charset="-128"/>
+                <a:ea typeface="Meiryo UI" pitchFamily="50" charset="-128"/>
+                <a:cs typeface="Meiryo UI" pitchFamily="50" charset="-128"/>
+                <a:sym typeface="Wingdings" panose="05000000000000000000" pitchFamily="2" charset="2"/>
+              </a:rPr>
+              <a:t> </a:t>
+            </a:r>
+            <a:r>
+              <a:rPr lang="en-US" dirty="0" err="1" smtClean="0">
+                <a:latin typeface="Meiryo UI" pitchFamily="50" charset="-128"/>
+                <a:ea typeface="Meiryo UI" pitchFamily="50" charset="-128"/>
+                <a:cs typeface="Meiryo UI" pitchFamily="50" charset="-128"/>
+                <a:sym typeface="Wingdings" panose="05000000000000000000" pitchFamily="2" charset="2"/>
+              </a:rPr>
+              <a:t>nhé</a:t>
+            </a:r>
+            <a:r>
+              <a:rPr lang="en-US" dirty="0" smtClean="0">
+                <a:latin typeface="Meiryo UI" pitchFamily="50" charset="-128"/>
+                <a:ea typeface="Meiryo UI" pitchFamily="50" charset="-128"/>
+                <a:cs typeface="Meiryo UI" pitchFamily="50" charset="-128"/>
+                <a:sym typeface="Wingdings" panose="05000000000000000000" pitchFamily="2" charset="2"/>
+              </a:rPr>
+              <a:t>.</a:t>
+            </a:r>
+          </a:p>
+          <a:p>
+            <a:endParaRPr lang="en-US" dirty="0">
+              <a:latin typeface="Meiryo UI" pitchFamily="50" charset="-128"/>
+              <a:ea typeface="Meiryo UI" pitchFamily="50" charset="-128"/>
+              <a:cs typeface="Meiryo UI" pitchFamily="50" charset="-128"/>
+              <a:sym typeface="Wingdings" panose="05000000000000000000" pitchFamily="2" charset="2"/>
+            </a:endParaRPr>
+          </a:p>
+          <a:p>
+            <a:r>
+              <a:rPr lang="en-US" dirty="0" err="1" smtClean="0">
+                <a:latin typeface="Meiryo UI" pitchFamily="50" charset="-128"/>
+                <a:ea typeface="Meiryo UI" pitchFamily="50" charset="-128"/>
+                <a:cs typeface="Meiryo UI" pitchFamily="50" charset="-128"/>
+                <a:sym typeface="Wingdings" panose="05000000000000000000" pitchFamily="2" charset="2"/>
+              </a:rPr>
+              <a:t>Có</a:t>
+            </a:r>
+            <a:r>
+              <a:rPr lang="en-US" dirty="0" smtClean="0">
+                <a:latin typeface="Meiryo UI" pitchFamily="50" charset="-128"/>
+                <a:ea typeface="Meiryo UI" pitchFamily="50" charset="-128"/>
+                <a:cs typeface="Meiryo UI" pitchFamily="50" charset="-128"/>
+                <a:sym typeface="Wingdings" panose="05000000000000000000" pitchFamily="2" charset="2"/>
+              </a:rPr>
+              <a:t> </a:t>
+            </a:r>
+            <a:r>
+              <a:rPr lang="en-US" dirty="0" err="1" smtClean="0">
+                <a:latin typeface="Meiryo UI" pitchFamily="50" charset="-128"/>
+                <a:ea typeface="Meiryo UI" pitchFamily="50" charset="-128"/>
+                <a:cs typeface="Meiryo UI" pitchFamily="50" charset="-128"/>
+                <a:sym typeface="Wingdings" panose="05000000000000000000" pitchFamily="2" charset="2"/>
+              </a:rPr>
+              <a:t>chú</a:t>
+            </a:r>
+            <a:r>
+              <a:rPr lang="en-US" dirty="0" smtClean="0">
+                <a:latin typeface="Meiryo UI" pitchFamily="50" charset="-128"/>
+                <a:ea typeface="Meiryo UI" pitchFamily="50" charset="-128"/>
+                <a:cs typeface="Meiryo UI" pitchFamily="50" charset="-128"/>
+                <a:sym typeface="Wingdings" panose="05000000000000000000" pitchFamily="2" charset="2"/>
+              </a:rPr>
+              <a:t> ý </a:t>
+            </a:r>
+            <a:r>
+              <a:rPr lang="en-US" dirty="0" err="1" smtClean="0">
+                <a:latin typeface="Meiryo UI" pitchFamily="50" charset="-128"/>
+                <a:ea typeface="Meiryo UI" pitchFamily="50" charset="-128"/>
+                <a:cs typeface="Meiryo UI" pitchFamily="50" charset="-128"/>
+                <a:sym typeface="Wingdings" panose="05000000000000000000" pitchFamily="2" charset="2"/>
+              </a:rPr>
+              <a:t>nhỏ</a:t>
+            </a:r>
+            <a:r>
+              <a:rPr lang="en-US" dirty="0" smtClean="0">
+                <a:latin typeface="Meiryo UI" pitchFamily="50" charset="-128"/>
+                <a:ea typeface="Meiryo UI" pitchFamily="50" charset="-128"/>
+                <a:cs typeface="Meiryo UI" pitchFamily="50" charset="-128"/>
+                <a:sym typeface="Wingdings" panose="05000000000000000000" pitchFamily="2" charset="2"/>
+              </a:rPr>
+              <a:t>: </a:t>
+            </a:r>
+            <a:r>
+              <a:rPr lang="en-US" dirty="0" err="1" smtClean="0">
+                <a:latin typeface="Meiryo UI" pitchFamily="50" charset="-128"/>
+                <a:ea typeface="Meiryo UI" pitchFamily="50" charset="-128"/>
+                <a:cs typeface="Meiryo UI" pitchFamily="50" charset="-128"/>
+                <a:sym typeface="Wingdings" panose="05000000000000000000" pitchFamily="2" charset="2"/>
+              </a:rPr>
+              <a:t>cái</a:t>
+            </a:r>
+            <a:r>
+              <a:rPr lang="en-US" dirty="0" smtClean="0">
+                <a:latin typeface="Meiryo UI" pitchFamily="50" charset="-128"/>
+                <a:ea typeface="Meiryo UI" pitchFamily="50" charset="-128"/>
+                <a:cs typeface="Meiryo UI" pitchFamily="50" charset="-128"/>
+                <a:sym typeface="Wingdings" panose="05000000000000000000" pitchFamily="2" charset="2"/>
+              </a:rPr>
+              <a:t> </a:t>
+            </a:r>
+            <a:r>
+              <a:rPr lang="en-US" dirty="0" err="1" smtClean="0">
+                <a:latin typeface="Meiryo UI" pitchFamily="50" charset="-128"/>
+                <a:ea typeface="Meiryo UI" pitchFamily="50" charset="-128"/>
+                <a:cs typeface="Meiryo UI" pitchFamily="50" charset="-128"/>
+                <a:sym typeface="Wingdings" panose="05000000000000000000" pitchFamily="2" charset="2"/>
+              </a:rPr>
+              <a:t>hình</a:t>
+            </a:r>
+            <a:r>
+              <a:rPr lang="en-US" dirty="0" smtClean="0">
+                <a:latin typeface="Meiryo UI" pitchFamily="50" charset="-128"/>
+                <a:ea typeface="Meiryo UI" pitchFamily="50" charset="-128"/>
+                <a:cs typeface="Meiryo UI" pitchFamily="50" charset="-128"/>
+                <a:sym typeface="Wingdings" panose="05000000000000000000" pitchFamily="2" charset="2"/>
+              </a:rPr>
+              <a:t> </a:t>
+            </a:r>
+            <a:r>
+              <a:rPr lang="en-US" dirty="0" err="1" smtClean="0">
+                <a:latin typeface="Meiryo UI" pitchFamily="50" charset="-128"/>
+                <a:ea typeface="Meiryo UI" pitchFamily="50" charset="-128"/>
+                <a:cs typeface="Meiryo UI" pitchFamily="50" charset="-128"/>
+                <a:sym typeface="Wingdings" panose="05000000000000000000" pitchFamily="2" charset="2"/>
+              </a:rPr>
+              <a:t>này</a:t>
+            </a:r>
+            <a:r>
+              <a:rPr lang="en-US" dirty="0" smtClean="0">
+                <a:latin typeface="Meiryo UI" pitchFamily="50" charset="-128"/>
+                <a:ea typeface="Meiryo UI" pitchFamily="50" charset="-128"/>
+                <a:cs typeface="Meiryo UI" pitchFamily="50" charset="-128"/>
+                <a:sym typeface="Wingdings" panose="05000000000000000000" pitchFamily="2" charset="2"/>
+              </a:rPr>
+              <a:t> </a:t>
+            </a:r>
+            <a:r>
+              <a:rPr lang="en-US" dirty="0" err="1" smtClean="0">
+                <a:latin typeface="Meiryo UI" pitchFamily="50" charset="-128"/>
+                <a:ea typeface="Meiryo UI" pitchFamily="50" charset="-128"/>
+                <a:cs typeface="Meiryo UI" pitchFamily="50" charset="-128"/>
+                <a:sym typeface="Wingdings" panose="05000000000000000000" pitchFamily="2" charset="2"/>
+              </a:rPr>
+              <a:t>sơ</a:t>
+            </a:r>
+            <a:r>
+              <a:rPr lang="en-US" dirty="0" smtClean="0">
+                <a:latin typeface="Meiryo UI" pitchFamily="50" charset="-128"/>
+                <a:ea typeface="Meiryo UI" pitchFamily="50" charset="-128"/>
+                <a:cs typeface="Meiryo UI" pitchFamily="50" charset="-128"/>
+                <a:sym typeface="Wingdings" panose="05000000000000000000" pitchFamily="2" charset="2"/>
+              </a:rPr>
+              <a:t> </a:t>
+            </a:r>
+            <a:r>
+              <a:rPr lang="en-US" dirty="0" err="1" smtClean="0">
+                <a:latin typeface="Meiryo UI" pitchFamily="50" charset="-128"/>
+                <a:ea typeface="Meiryo UI" pitchFamily="50" charset="-128"/>
+                <a:cs typeface="Meiryo UI" pitchFamily="50" charset="-128"/>
+                <a:sym typeface="Wingdings" panose="05000000000000000000" pitchFamily="2" charset="2"/>
+              </a:rPr>
+              <a:t>đồh</a:t>
+            </a:r>
+            <a:r>
+              <a:rPr lang="en-US" dirty="0" smtClean="0">
+                <a:latin typeface="Meiryo UI" pitchFamily="50" charset="-128"/>
+                <a:ea typeface="Meiryo UI" pitchFamily="50" charset="-128"/>
+                <a:cs typeface="Meiryo UI" pitchFamily="50" charset="-128"/>
+                <a:sym typeface="Wingdings" panose="05000000000000000000" pitchFamily="2" charset="2"/>
+              </a:rPr>
+              <a:t> </a:t>
+            </a:r>
+            <a:r>
+              <a:rPr lang="en-US" dirty="0" err="1" smtClean="0">
+                <a:latin typeface="Meiryo UI" pitchFamily="50" charset="-128"/>
+                <a:ea typeface="Meiryo UI" pitchFamily="50" charset="-128"/>
+                <a:cs typeface="Meiryo UI" pitchFamily="50" charset="-128"/>
+                <a:sym typeface="Wingdings" panose="05000000000000000000" pitchFamily="2" charset="2"/>
+              </a:rPr>
+              <a:t>cân</a:t>
+            </a:r>
+            <a:r>
+              <a:rPr lang="en-US" dirty="0" smtClean="0">
+                <a:latin typeface="Meiryo UI" pitchFamily="50" charset="-128"/>
+                <a:ea typeface="Meiryo UI" pitchFamily="50" charset="-128"/>
+                <a:cs typeface="Meiryo UI" pitchFamily="50" charset="-128"/>
+                <a:sym typeface="Wingdings" panose="05000000000000000000" pitchFamily="2" charset="2"/>
+              </a:rPr>
+              <a:t> </a:t>
+            </a:r>
+            <a:r>
+              <a:rPr lang="en-US" dirty="0" err="1" smtClean="0">
+                <a:latin typeface="Meiryo UI" pitchFamily="50" charset="-128"/>
+                <a:ea typeface="Meiryo UI" pitchFamily="50" charset="-128"/>
+                <a:cs typeface="Meiryo UI" pitchFamily="50" charset="-128"/>
+                <a:sym typeface="Wingdings" panose="05000000000000000000" pitchFamily="2" charset="2"/>
+              </a:rPr>
+              <a:t>nào</a:t>
+            </a:r>
+            <a:r>
+              <a:rPr lang="en-US" dirty="0" smtClean="0">
+                <a:latin typeface="Meiryo UI" pitchFamily="50" charset="-128"/>
+                <a:ea typeface="Meiryo UI" pitchFamily="50" charset="-128"/>
+                <a:cs typeface="Meiryo UI" pitchFamily="50" charset="-128"/>
+                <a:sym typeface="Wingdings" panose="05000000000000000000" pitchFamily="2" charset="2"/>
+              </a:rPr>
+              <a:t> </a:t>
+            </a:r>
+            <a:r>
+              <a:rPr lang="en-US" dirty="0" err="1" smtClean="0">
+                <a:latin typeface="Meiryo UI" pitchFamily="50" charset="-128"/>
+                <a:ea typeface="Meiryo UI" pitchFamily="50" charset="-128"/>
+                <a:cs typeface="Meiryo UI" pitchFamily="50" charset="-128"/>
+                <a:sym typeface="Wingdings" panose="05000000000000000000" pitchFamily="2" charset="2"/>
+              </a:rPr>
+              <a:t>là</a:t>
+            </a:r>
+            <a:r>
+              <a:rPr lang="en-US" dirty="0" smtClean="0">
+                <a:latin typeface="Meiryo UI" pitchFamily="50" charset="-128"/>
+                <a:ea typeface="Meiryo UI" pitchFamily="50" charset="-128"/>
+                <a:cs typeface="Meiryo UI" pitchFamily="50" charset="-128"/>
+                <a:sym typeface="Wingdings" panose="05000000000000000000" pitchFamily="2" charset="2"/>
+              </a:rPr>
+              <a:t> </a:t>
+            </a:r>
+            <a:r>
+              <a:rPr lang="en-US" dirty="0" err="1" smtClean="0">
+                <a:latin typeface="Meiryo UI" pitchFamily="50" charset="-128"/>
+                <a:ea typeface="Meiryo UI" pitchFamily="50" charset="-128"/>
+                <a:cs typeface="Meiryo UI" pitchFamily="50" charset="-128"/>
+                <a:sym typeface="Wingdings" panose="05000000000000000000" pitchFamily="2" charset="2"/>
+              </a:rPr>
+              <a:t>phong</a:t>
+            </a:r>
+            <a:r>
+              <a:rPr lang="en-US" dirty="0" smtClean="0">
+                <a:latin typeface="Meiryo UI" pitchFamily="50" charset="-128"/>
+                <a:ea typeface="Meiryo UI" pitchFamily="50" charset="-128"/>
+                <a:cs typeface="Meiryo UI" pitchFamily="50" charset="-128"/>
+                <a:sym typeface="Wingdings" panose="05000000000000000000" pitchFamily="2" charset="2"/>
+              </a:rPr>
+              <a:t> </a:t>
+            </a:r>
+            <a:r>
+              <a:rPr lang="en-US" dirty="0" err="1" smtClean="0">
+                <a:latin typeface="Meiryo UI" pitchFamily="50" charset="-128"/>
+                <a:ea typeface="Meiryo UI" pitchFamily="50" charset="-128"/>
+                <a:cs typeface="Meiryo UI" pitchFamily="50" charset="-128"/>
+                <a:sym typeface="Wingdings" panose="05000000000000000000" pitchFamily="2" charset="2"/>
+              </a:rPr>
+              <a:t>ngủ</a:t>
+            </a:r>
+            <a:r>
+              <a:rPr lang="en-US" dirty="0" smtClean="0">
+                <a:latin typeface="Meiryo UI" pitchFamily="50" charset="-128"/>
+                <a:ea typeface="Meiryo UI" pitchFamily="50" charset="-128"/>
+                <a:cs typeface="Meiryo UI" pitchFamily="50" charset="-128"/>
+                <a:sym typeface="Wingdings" panose="05000000000000000000" pitchFamily="2" charset="2"/>
+              </a:rPr>
+              <a:t>. </a:t>
+            </a:r>
+            <a:r>
+              <a:rPr lang="en-US" dirty="0" err="1" smtClean="0">
+                <a:latin typeface="Meiryo UI" pitchFamily="50" charset="-128"/>
+                <a:ea typeface="Meiryo UI" pitchFamily="50" charset="-128"/>
+                <a:cs typeface="Meiryo UI" pitchFamily="50" charset="-128"/>
+                <a:sym typeface="Wingdings" panose="05000000000000000000" pitchFamily="2" charset="2"/>
+              </a:rPr>
+              <a:t>Phòng</a:t>
+            </a:r>
+            <a:r>
+              <a:rPr lang="en-US" dirty="0" smtClean="0">
+                <a:latin typeface="Meiryo UI" pitchFamily="50" charset="-128"/>
+                <a:ea typeface="Meiryo UI" pitchFamily="50" charset="-128"/>
+                <a:cs typeface="Meiryo UI" pitchFamily="50" charset="-128"/>
+                <a:sym typeface="Wingdings" panose="05000000000000000000" pitchFamily="2" charset="2"/>
+              </a:rPr>
+              <a:t> </a:t>
+            </a:r>
+            <a:r>
+              <a:rPr lang="en-US" dirty="0" err="1" smtClean="0">
+                <a:latin typeface="Meiryo UI" pitchFamily="50" charset="-128"/>
+                <a:ea typeface="Meiryo UI" pitchFamily="50" charset="-128"/>
+                <a:cs typeface="Meiryo UI" pitchFamily="50" charset="-128"/>
+                <a:sym typeface="Wingdings" panose="05000000000000000000" pitchFamily="2" charset="2"/>
+              </a:rPr>
+              <a:t>khác</a:t>
+            </a:r>
+            <a:r>
+              <a:rPr lang="en-US" dirty="0" smtClean="0">
+                <a:latin typeface="Meiryo UI" pitchFamily="50" charset="-128"/>
+                <a:ea typeface="Meiryo UI" pitchFamily="50" charset="-128"/>
+                <a:cs typeface="Meiryo UI" pitchFamily="50" charset="-128"/>
+                <a:sym typeface="Wingdings" panose="05000000000000000000" pitchFamily="2" charset="2"/>
+              </a:rPr>
+              <a:t> </a:t>
+            </a:r>
+            <a:r>
+              <a:rPr lang="en-US" dirty="0" err="1" smtClean="0">
+                <a:latin typeface="Meiryo UI" pitchFamily="50" charset="-128"/>
+                <a:ea typeface="Meiryo UI" pitchFamily="50" charset="-128"/>
+                <a:cs typeface="Meiryo UI" pitchFamily="50" charset="-128"/>
+                <a:sym typeface="Wingdings" panose="05000000000000000000" pitchFamily="2" charset="2"/>
+              </a:rPr>
+              <a:t>đâu</a:t>
+            </a:r>
+            <a:r>
+              <a:rPr lang="en-US" dirty="0" smtClean="0">
+                <a:latin typeface="Meiryo UI" pitchFamily="50" charset="-128"/>
+                <a:ea typeface="Meiryo UI" pitchFamily="50" charset="-128"/>
+                <a:cs typeface="Meiryo UI" pitchFamily="50" charset="-128"/>
+                <a:sym typeface="Wingdings" panose="05000000000000000000" pitchFamily="2" charset="2"/>
+              </a:rPr>
+              <a:t>???? </a:t>
+            </a:r>
+            <a:r>
+              <a:rPr lang="en-US" dirty="0" err="1" smtClean="0">
+                <a:latin typeface="Meiryo UI" pitchFamily="50" charset="-128"/>
+                <a:ea typeface="Meiryo UI" pitchFamily="50" charset="-128"/>
+                <a:cs typeface="Meiryo UI" pitchFamily="50" charset="-128"/>
+                <a:sym typeface="Wingdings" panose="05000000000000000000" pitchFamily="2" charset="2"/>
+              </a:rPr>
+              <a:t>Nếu</a:t>
+            </a:r>
+            <a:r>
+              <a:rPr lang="en-US" dirty="0" smtClean="0">
+                <a:latin typeface="Meiryo UI" pitchFamily="50" charset="-128"/>
+                <a:ea typeface="Meiryo UI" pitchFamily="50" charset="-128"/>
+                <a:cs typeface="Meiryo UI" pitchFamily="50" charset="-128"/>
+                <a:sym typeface="Wingdings" panose="05000000000000000000" pitchFamily="2" charset="2"/>
+              </a:rPr>
+              <a:t> </a:t>
+            </a:r>
+            <a:r>
+              <a:rPr lang="en-US" dirty="0" err="1" smtClean="0">
+                <a:latin typeface="Meiryo UI" pitchFamily="50" charset="-128"/>
+                <a:ea typeface="Meiryo UI" pitchFamily="50" charset="-128"/>
+                <a:cs typeface="Meiryo UI" pitchFamily="50" charset="-128"/>
+                <a:sym typeface="Wingdings" panose="05000000000000000000" pitchFamily="2" charset="2"/>
+              </a:rPr>
+              <a:t>khong</a:t>
+            </a:r>
+            <a:r>
+              <a:rPr lang="en-US" dirty="0" smtClean="0">
+                <a:latin typeface="Meiryo UI" pitchFamily="50" charset="-128"/>
+                <a:ea typeface="Meiryo UI" pitchFamily="50" charset="-128"/>
+                <a:cs typeface="Meiryo UI" pitchFamily="50" charset="-128"/>
+                <a:sym typeface="Wingdings" panose="05000000000000000000" pitchFamily="2" charset="2"/>
+              </a:rPr>
+              <a:t> </a:t>
+            </a:r>
+            <a:r>
+              <a:rPr lang="en-US" dirty="0" err="1" smtClean="0">
+                <a:latin typeface="Meiryo UI" pitchFamily="50" charset="-128"/>
+                <a:ea typeface="Meiryo UI" pitchFamily="50" charset="-128"/>
+                <a:cs typeface="Meiryo UI" pitchFamily="50" charset="-128"/>
+                <a:sym typeface="Wingdings" panose="05000000000000000000" pitchFamily="2" charset="2"/>
+              </a:rPr>
+              <a:t>có</a:t>
+            </a:r>
+            <a:r>
+              <a:rPr lang="en-US" dirty="0" smtClean="0">
+                <a:latin typeface="Meiryo UI" pitchFamily="50" charset="-128"/>
+                <a:ea typeface="Meiryo UI" pitchFamily="50" charset="-128"/>
+                <a:cs typeface="Meiryo UI" pitchFamily="50" charset="-128"/>
+                <a:sym typeface="Wingdings" panose="05000000000000000000" pitchFamily="2" charset="2"/>
+              </a:rPr>
+              <a:t> </a:t>
+            </a:r>
+            <a:r>
+              <a:rPr lang="en-US" dirty="0" err="1" smtClean="0">
+                <a:latin typeface="Meiryo UI" pitchFamily="50" charset="-128"/>
+                <a:ea typeface="Meiryo UI" pitchFamily="50" charset="-128"/>
+                <a:cs typeface="Meiryo UI" pitchFamily="50" charset="-128"/>
+                <a:sym typeface="Wingdings" panose="05000000000000000000" pitchFamily="2" charset="2"/>
+              </a:rPr>
+              <a:t>thì</a:t>
+            </a:r>
+            <a:r>
+              <a:rPr lang="en-US" dirty="0" smtClean="0">
+                <a:latin typeface="Meiryo UI" pitchFamily="50" charset="-128"/>
+                <a:ea typeface="Meiryo UI" pitchFamily="50" charset="-128"/>
+                <a:cs typeface="Meiryo UI" pitchFamily="50" charset="-128"/>
+                <a:sym typeface="Wingdings" panose="05000000000000000000" pitchFamily="2" charset="2"/>
+              </a:rPr>
+              <a:t> note out 1 hay out 2 </a:t>
+            </a:r>
+            <a:r>
+              <a:rPr lang="en-US" dirty="0" err="1" smtClean="0">
+                <a:latin typeface="Meiryo UI" pitchFamily="50" charset="-128"/>
+                <a:ea typeface="Meiryo UI" pitchFamily="50" charset="-128"/>
+                <a:cs typeface="Meiryo UI" pitchFamily="50" charset="-128"/>
+                <a:sym typeface="Wingdings" panose="05000000000000000000" pitchFamily="2" charset="2"/>
+              </a:rPr>
+              <a:t>vào</a:t>
+            </a:r>
+            <a:r>
+              <a:rPr lang="en-US" dirty="0" smtClean="0">
+                <a:latin typeface="Meiryo UI" pitchFamily="50" charset="-128"/>
+                <a:ea typeface="Meiryo UI" pitchFamily="50" charset="-128"/>
+                <a:cs typeface="Meiryo UI" pitchFamily="50" charset="-128"/>
+                <a:sym typeface="Wingdings" panose="05000000000000000000" pitchFamily="2" charset="2"/>
+              </a:rPr>
+              <a:t> </a:t>
+            </a:r>
+            <a:r>
+              <a:rPr lang="en-US" dirty="0" err="1" smtClean="0">
+                <a:latin typeface="Meiryo UI" pitchFamily="50" charset="-128"/>
+                <a:ea typeface="Meiryo UI" pitchFamily="50" charset="-128"/>
+                <a:cs typeface="Meiryo UI" pitchFamily="50" charset="-128"/>
+                <a:sym typeface="Wingdings" panose="05000000000000000000" pitchFamily="2" charset="2"/>
+              </a:rPr>
+              <a:t>chứ</a:t>
+            </a:r>
+            <a:r>
+              <a:rPr lang="en-US" dirty="0" smtClean="0">
+                <a:latin typeface="Meiryo UI" pitchFamily="50" charset="-128"/>
+                <a:ea typeface="Meiryo UI" pitchFamily="50" charset="-128"/>
+                <a:cs typeface="Meiryo UI" pitchFamily="50" charset="-128"/>
+                <a:sym typeface="Wingdings" panose="05000000000000000000" pitchFamily="2" charset="2"/>
+              </a:rPr>
+              <a:t> </a:t>
+            </a:r>
+          </a:p>
+          <a:p>
+            <a:endParaRPr lang="en-US" dirty="0" smtClean="0">
+              <a:latin typeface="Meiryo UI" pitchFamily="50" charset="-128"/>
+              <a:ea typeface="Meiryo UI" pitchFamily="50" charset="-128"/>
+              <a:cs typeface="Meiryo UI" pitchFamily="50" charset="-128"/>
+              <a:sym typeface="Wingdings" panose="05000000000000000000" pitchFamily="2" charset="2"/>
+            </a:endParaRPr>
+          </a:p>
+          <a:p>
+            <a:endParaRPr lang="en-US" dirty="0">
+              <a:latin typeface="Meiryo UI" pitchFamily="50" charset="-128"/>
+              <a:ea typeface="Meiryo UI" pitchFamily="50" charset="-128"/>
+              <a:cs typeface="Meiryo UI" pitchFamily="50" charset="-128"/>
+              <a:sym typeface="Wingdings" panose="05000000000000000000" pitchFamily="2" charset="2"/>
+            </a:endParaRPr>
+          </a:p>
+          <a:p>
+            <a:endParaRPr lang="en-US" dirty="0">
+              <a:latin typeface="Meiryo UI" pitchFamily="50" charset="-128"/>
+              <a:ea typeface="Meiryo UI" pitchFamily="50" charset="-128"/>
+              <a:cs typeface="Meiryo UI" pitchFamily="50" charset="-128"/>
+              <a:sym typeface="Wingdings" panose="05000000000000000000" pitchFamily="2" charset="2"/>
+            </a:endParaRPr>
+          </a:p>
+          <a:p>
+            <a:pPr marL="457200" indent="-457200">
+              <a:buAutoNum type="arabicPeriod"/>
+            </a:pPr>
+            <a:endParaRPr lang="en-US" dirty="0">
+              <a:latin typeface="Meiryo UI" pitchFamily="50" charset="-128"/>
+              <a:ea typeface="Meiryo UI" pitchFamily="50" charset="-128"/>
+              <a:cs typeface="Meiryo UI" pitchFamily="50" charset="-128"/>
+            </a:endParaRPr>
+          </a:p>
+          <a:p>
+            <a:pPr marL="457200" indent="-457200">
+              <a:buAutoNum type="arabicPeriod"/>
+            </a:pPr>
+            <a:endParaRPr lang="en-US" dirty="0">
+              <a:latin typeface="Meiryo UI" pitchFamily="50" charset="-128"/>
+              <a:ea typeface="Meiryo UI" pitchFamily="50" charset="-128"/>
+              <a:cs typeface="Meiryo UI" pitchFamily="50" charset="-128"/>
+            </a:endParaRPr>
+          </a:p>
+        </p:txBody>
+      </p:sp>
+      <p:pic>
+        <p:nvPicPr>
+          <p:cNvPr id="7" name="Picture 6"/>
+          <p:cNvPicPr>
+            <a:picLocks noChangeAspect="1"/>
+          </p:cNvPicPr>
+          <p:nvPr/>
+        </p:nvPicPr>
+        <p:blipFill>
+          <a:blip r:embed="rId2"/>
+          <a:stretch>
+            <a:fillRect/>
+          </a:stretch>
+        </p:blipFill>
+        <p:spPr>
+          <a:xfrm>
+            <a:off x="1930804" y="5693915"/>
+            <a:ext cx="3575429" cy="1288491"/>
+          </a:xfrm>
+          <a:prstGeom prst="rect">
+            <a:avLst/>
+          </a:prstGeom>
+        </p:spPr>
+      </p:pic>
+    </p:spTree>
+    <p:extLst>
+      <p:ext uri="{BB962C8B-B14F-4D97-AF65-F5344CB8AC3E}">
+        <p14:creationId xmlns:p14="http://schemas.microsoft.com/office/powerpoint/2010/main" val="175515756"/>
+      </p:ext>
+    </p:extLst>
+  </p:cSld>
+  <p:clrMapOvr>
+    <a:masterClrMapping/>
+  </p:clrMapOvr>
+</p:sld>
+</file>
+
+<file path=ppt/slides/slide3.xml><?xml version="1.0" encoding="utf-8"?>
+<p:sld xmlns:a="http://schemas.openxmlformats.org/drawingml/2006/main" xmlns:r="http://schemas.openxmlformats.org/officeDocument/2006/relationships" xmlns:p="http://schemas.openxmlformats.org/presentationml/2006/main">
+  <p:cSld>
+    <p:spTree>
+      <p:nvGrpSpPr>
+        <p:cNvPr id="1" name=""/>
+        <p:cNvGrpSpPr/>
+        <p:nvPr/>
+      </p:nvGrpSpPr>
+      <p:grpSpPr>
+        <a:xfrm>
+          <a:off x="0" y="0"/>
+          <a:ext cx="0" cy="0"/>
+          <a:chOff x="0" y="0"/>
+          <a:chExt cx="0" cy="0"/>
+        </a:xfrm>
+      </p:grpSpPr>
+      <p:sp>
+        <p:nvSpPr>
+          <p:cNvPr id="3" name="Rectangle 3"/>
+          <p:cNvSpPr txBox="1">
+            <a:spLocks noChangeArrowheads="1"/>
+          </p:cNvSpPr>
+          <p:nvPr/>
+        </p:nvSpPr>
+        <p:spPr bwMode="auto">
+          <a:xfrm>
+            <a:off x="459225" y="450850"/>
+            <a:ext cx="7931740" cy="335204"/>
+          </a:xfrm>
+          <a:prstGeom prst="rect">
+            <a:avLst/>
+          </a:prstGeom>
+          <a:noFill/>
+          <a:ln>
+            <a:noFill/>
+          </a:ln>
+          <a:extLst>
+            <a:ext uri="{909E8E84-426E-40dd-AFC4-6F175D3DCCD1}">
+              <a14:hiddenFill xmlns="" xmlns:a14="http://schemas.microsoft.com/office/drawing/2010/main">
+                <a:solidFill>
+                  <a:srgbClr val="FFFFFF"/>
+                </a:solidFill>
+              </a14:hiddenFill>
+            </a:ext>
+            <a:ext uri="{91240B29-F687-4f45-9708-019B960494DF}">
+              <a14:hiddenLine xmlns="" xmlns:a14="http://schemas.microsoft.com/office/drawing/2010/main" w="9525">
+                <a:solidFill>
+                  <a:srgbClr val="000000"/>
+                </a:solidFill>
+                <a:miter lim="800000"/>
+                <a:headEnd/>
+                <a:tailEnd/>
+              </a14:hiddenLine>
+            </a:ext>
+          </a:extLst>
+        </p:spPr>
+        <p:txBody>
+          <a:bodyPr vert="horz" wrap="square" lIns="91440" tIns="45720" rIns="91440" bIns="45720" numCol="1" anchor="b" anchorCtr="0" compatLnSpc="1">
+            <a:prstTxWarp prst="textNoShape">
+              <a:avLst/>
+            </a:prstTxWarp>
+          </a:bodyPr>
+          <a:lstStyle>
+            <a:lvl1pPr marL="342900" indent="-342900" algn="l" rtl="0" eaLnBrk="0" fontAlgn="base" hangingPunct="0">
+              <a:spcBef>
+                <a:spcPct val="20000"/>
+              </a:spcBef>
+              <a:spcAft>
+                <a:spcPct val="0"/>
+              </a:spcAft>
+              <a:buChar char="•"/>
+              <a:defRPr kumimoji="1" sz="3200">
+                <a:solidFill>
+                  <a:schemeClr val="tx1"/>
+                </a:solidFill>
+                <a:latin typeface="+mn-lt"/>
+                <a:ea typeface="+mn-ea"/>
+                <a:cs typeface="+mn-cs"/>
+              </a:defRPr>
+            </a:lvl1pPr>
+            <a:lvl2pPr marL="742950" indent="-285750" algn="l" rtl="0" eaLnBrk="0" fontAlgn="base" hangingPunct="0">
+              <a:spcBef>
+                <a:spcPct val="20000"/>
+              </a:spcBef>
+              <a:spcAft>
+                <a:spcPct val="0"/>
+              </a:spcAft>
+              <a:buChar char="–"/>
+              <a:defRPr kumimoji="1" sz="2800">
+                <a:solidFill>
+                  <a:schemeClr val="tx1"/>
+                </a:solidFill>
+                <a:latin typeface="+mn-lt"/>
+                <a:ea typeface="+mn-ea"/>
+              </a:defRPr>
+            </a:lvl2pPr>
+            <a:lvl3pPr marL="1143000" indent="-228600" algn="l" rtl="0" eaLnBrk="0" fontAlgn="base" hangingPunct="0">
+              <a:spcBef>
+                <a:spcPct val="20000"/>
+              </a:spcBef>
+              <a:spcAft>
+                <a:spcPct val="0"/>
+              </a:spcAft>
+              <a:buChar char="•"/>
+              <a:defRPr kumimoji="1" sz="2400">
+                <a:solidFill>
+                  <a:schemeClr val="tx1"/>
+                </a:solidFill>
+                <a:latin typeface="+mn-lt"/>
+                <a:ea typeface="+mn-ea"/>
+              </a:defRPr>
+            </a:lvl3pPr>
+            <a:lvl4pPr marL="1600200" indent="-228600" algn="l" rtl="0" eaLnBrk="0" fontAlgn="base" hangingPunct="0">
+              <a:spcBef>
+                <a:spcPct val="20000"/>
+              </a:spcBef>
+              <a:spcAft>
+                <a:spcPct val="0"/>
+              </a:spcAft>
+              <a:buChar char="–"/>
+              <a:defRPr kumimoji="1" sz="2000">
+                <a:solidFill>
+                  <a:schemeClr val="tx1"/>
+                </a:solidFill>
+                <a:latin typeface="+mn-lt"/>
+                <a:ea typeface="+mn-ea"/>
+              </a:defRPr>
+            </a:lvl4pPr>
+            <a:lvl5pPr marL="2057400" indent="-228600" algn="l" rtl="0" eaLnBrk="0" fontAlgn="base" hangingPunct="0">
+              <a:spcBef>
+                <a:spcPct val="20000"/>
+              </a:spcBef>
+              <a:spcAft>
+                <a:spcPct val="0"/>
+              </a:spcAft>
+              <a:buChar char="»"/>
+              <a:defRPr kumimoji="1" sz="2000">
+                <a:solidFill>
+                  <a:schemeClr val="tx1"/>
+                </a:solidFill>
+                <a:latin typeface="+mn-lt"/>
+                <a:ea typeface="+mn-ea"/>
+              </a:defRPr>
+            </a:lvl5pPr>
+            <a:lvl6pPr marL="2514600" indent="-228600" algn="l" rtl="0" fontAlgn="base">
+              <a:spcBef>
+                <a:spcPct val="20000"/>
+              </a:spcBef>
+              <a:spcAft>
+                <a:spcPct val="0"/>
+              </a:spcAft>
+              <a:buChar char="»"/>
+              <a:defRPr kumimoji="1" sz="2000">
+                <a:solidFill>
+                  <a:schemeClr val="tx1"/>
+                </a:solidFill>
+                <a:latin typeface="+mn-lt"/>
+                <a:ea typeface="+mn-ea"/>
+              </a:defRPr>
+            </a:lvl6pPr>
+            <a:lvl7pPr marL="2971800" indent="-228600" algn="l" rtl="0" fontAlgn="base">
+              <a:spcBef>
+                <a:spcPct val="20000"/>
+              </a:spcBef>
+              <a:spcAft>
+                <a:spcPct val="0"/>
+              </a:spcAft>
+              <a:buChar char="»"/>
+              <a:defRPr kumimoji="1" sz="2000">
+                <a:solidFill>
+                  <a:schemeClr val="tx1"/>
+                </a:solidFill>
+                <a:latin typeface="+mn-lt"/>
+                <a:ea typeface="+mn-ea"/>
+              </a:defRPr>
+            </a:lvl7pPr>
+            <a:lvl8pPr marL="3429000" indent="-228600" algn="l" rtl="0" fontAlgn="base">
+              <a:spcBef>
+                <a:spcPct val="20000"/>
+              </a:spcBef>
+              <a:spcAft>
+                <a:spcPct val="0"/>
+              </a:spcAft>
+              <a:buChar char="»"/>
+              <a:defRPr kumimoji="1" sz="2000">
+                <a:solidFill>
+                  <a:schemeClr val="tx1"/>
+                </a:solidFill>
+                <a:latin typeface="+mn-lt"/>
+                <a:ea typeface="+mn-ea"/>
+              </a:defRPr>
+            </a:lvl8pPr>
+            <a:lvl9pPr marL="3886200" indent="-228600" algn="l" rtl="0" fontAlgn="base">
+              <a:spcBef>
+                <a:spcPct val="20000"/>
+              </a:spcBef>
+              <a:spcAft>
+                <a:spcPct val="0"/>
+              </a:spcAft>
+              <a:buChar char="»"/>
+              <a:defRPr kumimoji="1" sz="2000">
+                <a:solidFill>
+                  <a:schemeClr val="tx1"/>
+                </a:solidFill>
+                <a:latin typeface="+mn-lt"/>
+                <a:ea typeface="+mn-ea"/>
+              </a:defRPr>
+            </a:lvl9pPr>
+          </a:lstStyle>
+          <a:p>
+            <a:pPr marL="0" indent="0" eaLnBrk="1" hangingPunct="1">
+              <a:buNone/>
+            </a:pPr>
+            <a:r>
               <a:rPr lang="en-US" sz="1800" dirty="0" smtClean="0">
                 <a:latin typeface="Times New Roman" pitchFamily="18" charset="0"/>
                 <a:cs typeface="Times New Roman" pitchFamily="18" charset="0"/>
@@ -9459,7 +12322,7 @@
         </p:blipFill>
         <p:spPr>
           <a:xfrm>
-            <a:off x="5277055" y="4125435"/>
+            <a:off x="6841998" y="4163627"/>
             <a:ext cx="1797113" cy="2211050"/>
           </a:xfrm>
           <a:prstGeom prst="rect">
@@ -9519,180 +12382,13 @@
       </p:sp>
       <p:sp>
         <p:nvSpPr>
-          <p:cNvPr id="15" name="Right Arrow 14"/>
-          <p:cNvSpPr/>
-          <p:nvPr/>
-        </p:nvSpPr>
-        <p:spPr>
-          <a:xfrm>
-            <a:off x="5686408" y="1759993"/>
-            <a:ext cx="978408" cy="279347"/>
-          </a:xfrm>
-          <a:prstGeom prst="rightArrow">
-            <a:avLst/>
-          </a:prstGeom>
-          <a:solidFill>
-            <a:srgbClr val="92D050"/>
-          </a:solidFill>
-          <a:ln>
-            <a:noFill/>
-          </a:ln>
-        </p:spPr>
-        <p:style>
-          <a:lnRef idx="2">
-            <a:schemeClr val="accent1">
-              <a:shade val="50000"/>
-            </a:schemeClr>
-          </a:lnRef>
-          <a:fillRef idx="1">
-            <a:schemeClr val="accent1"/>
-          </a:fillRef>
-          <a:effectRef idx="0">
-            <a:schemeClr val="accent1"/>
-          </a:effectRef>
-          <a:fontRef idx="minor">
-            <a:schemeClr val="lt1"/>
-          </a:fontRef>
-        </p:style>
-        <p:txBody>
-          <a:bodyPr rtlCol="0" anchor="ctr"/>
-          <a:lstStyle/>
-          <a:p>
-            <a:pPr algn="ctr"/>
-            <a:endParaRPr lang="en-US"/>
-          </a:p>
-        </p:txBody>
-      </p:sp>
-      <p:sp>
-        <p:nvSpPr>
-          <p:cNvPr id="17" name="Right Arrow 16"/>
-          <p:cNvSpPr/>
-          <p:nvPr/>
-        </p:nvSpPr>
-        <p:spPr>
-          <a:xfrm rot="5400000">
-            <a:off x="7545544" y="3386790"/>
-            <a:ext cx="1145117" cy="332176"/>
-          </a:xfrm>
-          <a:prstGeom prst="rightArrow">
-            <a:avLst/>
-          </a:prstGeom>
-          <a:solidFill>
-            <a:srgbClr val="92D050"/>
-          </a:solidFill>
-          <a:ln>
-            <a:noFill/>
-          </a:ln>
-        </p:spPr>
-        <p:style>
-          <a:lnRef idx="2">
-            <a:schemeClr val="accent1">
-              <a:shade val="50000"/>
-            </a:schemeClr>
-          </a:lnRef>
-          <a:fillRef idx="1">
-            <a:schemeClr val="accent1"/>
-          </a:fillRef>
-          <a:effectRef idx="0">
-            <a:schemeClr val="accent1"/>
-          </a:effectRef>
-          <a:fontRef idx="minor">
-            <a:schemeClr val="lt1"/>
-          </a:fontRef>
-        </p:style>
-        <p:txBody>
-          <a:bodyPr rtlCol="0" anchor="ctr"/>
-          <a:lstStyle/>
-          <a:p>
-            <a:pPr algn="ctr"/>
-            <a:endParaRPr lang="en-US"/>
-          </a:p>
-        </p:txBody>
-      </p:sp>
-      <p:sp>
-        <p:nvSpPr>
-          <p:cNvPr id="14" name="Bent Arrow 13"/>
-          <p:cNvSpPr/>
-          <p:nvPr/>
-        </p:nvSpPr>
-        <p:spPr>
-          <a:xfrm rot="5400000" flipH="1">
-            <a:off x="2243618" y="3171666"/>
-            <a:ext cx="2991736" cy="2674961"/>
-          </a:xfrm>
-          <a:prstGeom prst="bentArrow">
-            <a:avLst>
-              <a:gd name="adj1" fmla="val 8179"/>
-              <a:gd name="adj2" fmla="val 11596"/>
-              <a:gd name="adj3" fmla="val 18166"/>
-              <a:gd name="adj4" fmla="val 13262"/>
-            </a:avLst>
-          </a:prstGeom>
-          <a:solidFill>
-            <a:srgbClr val="92D050"/>
-          </a:solidFill>
-          <a:ln>
-            <a:noFill/>
-          </a:ln>
-        </p:spPr>
-        <p:style>
-          <a:lnRef idx="2">
-            <a:schemeClr val="accent1">
-              <a:shade val="50000"/>
-            </a:schemeClr>
-          </a:lnRef>
-          <a:fillRef idx="1">
-            <a:schemeClr val="accent1"/>
-          </a:fillRef>
-          <a:effectRef idx="0">
-            <a:schemeClr val="accent1"/>
-          </a:effectRef>
-          <a:fontRef idx="minor">
-            <a:schemeClr val="lt1"/>
-          </a:fontRef>
-        </p:style>
-        <p:txBody>
-          <a:bodyPr rtlCol="0" anchor="ctr"/>
-          <a:lstStyle/>
-          <a:p>
-            <a:pPr algn="ctr"/>
-            <a:endParaRPr lang="en-US"/>
-          </a:p>
-        </p:txBody>
-      </p:sp>
-      <p:pic>
-        <p:nvPicPr>
-          <p:cNvPr id="18" name="Picture 17"/>
-          <p:cNvPicPr>
-            <a:picLocks noChangeAspect="1"/>
-          </p:cNvPicPr>
-          <p:nvPr/>
-        </p:nvPicPr>
-        <p:blipFill>
-          <a:blip r:embed="rId6"/>
-          <a:stretch>
-            <a:fillRect/>
-          </a:stretch>
-        </p:blipFill>
-        <p:spPr>
-          <a:xfrm>
-            <a:off x="7187613" y="4125435"/>
-            <a:ext cx="1758206" cy="2211050"/>
-          </a:xfrm>
-          <a:prstGeom prst="rect">
-            <a:avLst/>
-          </a:prstGeom>
-        </p:spPr>
-      </p:pic>
-      <p:sp>
-        <p:nvSpPr>
           <p:cNvPr id="19" name="Up Arrow 18"/>
           <p:cNvSpPr/>
           <p:nvPr/>
         </p:nvSpPr>
         <p:spPr>
-          <a:xfrm rot="1955685">
-            <a:off x="6531718" y="2937076"/>
+          <a:xfrm>
+            <a:off x="7706593" y="2874088"/>
             <a:ext cx="346102" cy="1251347"/>
           </a:xfrm>
           <a:prstGeom prst="upArrow">
@@ -10194,7 +12890,7 @@
 </p:sld>
 </file>
 
-<file path=ppt/slides/slide3.xml><?xml version="1.0" encoding="utf-8"?>
+<file path=ppt/slides/slide4.xml><?xml version="1.0" encoding="utf-8"?>
 <p:sld xmlns:a="http://schemas.openxmlformats.org/drawingml/2006/main" xmlns:r="http://schemas.openxmlformats.org/officeDocument/2006/relationships" xmlns:p="http://schemas.openxmlformats.org/presentationml/2006/main">
   <p:cSld>
     <p:spTree>
